--- a/Project-one Wildfires.pptx
+++ b/Project-one Wildfires.pptx
@@ -6,14 +6,13 @@
   </p:sldMasterIdLst>
   <p:sldIdLst>
     <p:sldId id="256" r:id="rId2"/>
-    <p:sldId id="261" r:id="rId3"/>
-    <p:sldId id="257" r:id="rId4"/>
-    <p:sldId id="262" r:id="rId5"/>
-    <p:sldId id="265" r:id="rId6"/>
-    <p:sldId id="263" r:id="rId7"/>
-    <p:sldId id="264" r:id="rId8"/>
-    <p:sldId id="266" r:id="rId9"/>
-    <p:sldId id="267" r:id="rId10"/>
+    <p:sldId id="262" r:id="rId3"/>
+    <p:sldId id="265" r:id="rId4"/>
+    <p:sldId id="266" r:id="rId5"/>
+    <p:sldId id="268" r:id="rId6"/>
+    <p:sldId id="269" r:id="rId7"/>
+    <p:sldId id="270" r:id="rId8"/>
+    <p:sldId id="267" r:id="rId9"/>
   </p:sldIdLst>
   <p:sldSz cx="12192000" cy="6858000"/>
   <p:notesSz cx="6858000" cy="9144000"/>
@@ -112,13 +111,18 @@
       </a:defRPr>
     </a:lvl9pPr>
   </p:defaultTextStyle>
+  <p:extLst>
+    <p:ext uri="{EFAFB233-063F-42B5-8137-9DF3F51BA10A}">
+      <p15:sldGuideLst xmlns:p15="http://schemas.microsoft.com/office/powerpoint/2012/main"/>
+    </p:ext>
+  </p:extLst>
 </p:presentation>
 </file>
 
 <file path=ppt/revisionInfo.xml><?xml version="1.0" encoding="utf-8"?>
 <p1510:revInfo xmlns:a="http://schemas.openxmlformats.org/drawingml/2006/main" xmlns:r="http://schemas.openxmlformats.org/officeDocument/2006/relationships" xmlns:p1510="http://schemas.microsoft.com/office/powerpoint/2015/10/main">
   <p1510:revLst>
-    <p1510:client id="{1A432AA6-B5EB-47F2-9795-B23FF1B3EA17}" v="30" dt="2023-07-24T22:28:16.047"/>
+    <p1510:client id="{1A432AA6-B5EB-47F2-9795-B23FF1B3EA17}" v="41" dt="2023-07-25T00:02:44.842"/>
   </p1510:revLst>
 </p1510:revInfo>
 </file>
@@ -128,16 +132,24 @@
   <pc:docChgLst>
     <pc:chgData name="John Olton" userId="ceefb0817b1c1914" providerId="LiveId" clId="{1A432AA6-B5EB-47F2-9795-B23FF1B3EA17}"/>
     <pc:docChg chg="undo custSel addSld delSld modSld sldOrd modMainMaster">
-      <pc:chgData name="John Olton" userId="ceefb0817b1c1914" providerId="LiveId" clId="{1A432AA6-B5EB-47F2-9795-B23FF1B3EA17}" dt="2023-07-24T22:28:16.047" v="2228"/>
+      <pc:chgData name="John Olton" userId="ceefb0817b1c1914" providerId="LiveId" clId="{1A432AA6-B5EB-47F2-9795-B23FF1B3EA17}" dt="2023-07-25T00:04:24.805" v="2650" actId="20577"/>
       <pc:docMkLst>
         <pc:docMk/>
       </pc:docMkLst>
       <pc:sldChg chg="modSp mod modTransition">
-        <pc:chgData name="John Olton" userId="ceefb0817b1c1914" providerId="LiveId" clId="{1A432AA6-B5EB-47F2-9795-B23FF1B3EA17}" dt="2023-07-24T22:28:16.047" v="2228"/>
+        <pc:chgData name="John Olton" userId="ceefb0817b1c1914" providerId="LiveId" clId="{1A432AA6-B5EB-47F2-9795-B23FF1B3EA17}" dt="2023-07-25T00:04:24.805" v="2650" actId="20577"/>
         <pc:sldMkLst>
           <pc:docMk/>
           <pc:sldMk cId="2300836680" sldId="256"/>
         </pc:sldMkLst>
+        <pc:spChg chg="mod">
+          <ac:chgData name="John Olton" userId="ceefb0817b1c1914" providerId="LiveId" clId="{1A432AA6-B5EB-47F2-9795-B23FF1B3EA17}" dt="2023-07-25T00:04:24.805" v="2650" actId="20577"/>
+          <ac:spMkLst>
+            <pc:docMk/>
+            <pc:sldMk cId="2300836680" sldId="256"/>
+            <ac:spMk id="3" creationId="{1C817414-060C-D264-75B9-6D10CB0B5680}"/>
+          </ac:spMkLst>
+        </pc:spChg>
         <pc:spChg chg="mod">
           <ac:chgData name="John Olton" userId="ceefb0817b1c1914" providerId="LiveId" clId="{1A432AA6-B5EB-47F2-9795-B23FF1B3EA17}" dt="2023-07-24T22:07:05.185" v="1967" actId="14100"/>
           <ac:spMkLst>
@@ -155,8 +167,8 @@
           </ac:picMkLst>
         </pc:picChg>
       </pc:sldChg>
-      <pc:sldChg chg="addSp delSp modSp mod modTransition">
-        <pc:chgData name="John Olton" userId="ceefb0817b1c1914" providerId="LiveId" clId="{1A432AA6-B5EB-47F2-9795-B23FF1B3EA17}" dt="2023-07-24T22:27:57.971" v="2226"/>
+      <pc:sldChg chg="addSp delSp modSp add del mod modTransition">
+        <pc:chgData name="John Olton" userId="ceefb0817b1c1914" providerId="LiveId" clId="{1A432AA6-B5EB-47F2-9795-B23FF1B3EA17}" dt="2023-07-24T23:43:51.705" v="2245" actId="2696"/>
         <pc:sldMkLst>
           <pc:docMk/>
           <pc:sldMk cId="3699385275" sldId="257"/>
@@ -247,8 +259,8 @@
           <pc:sldMk cId="1739276209" sldId="260"/>
         </pc:sldMkLst>
       </pc:sldChg>
-      <pc:sldChg chg="modSp mod modTransition">
-        <pc:chgData name="John Olton" userId="ceefb0817b1c1914" providerId="LiveId" clId="{1A432AA6-B5EB-47F2-9795-B23FF1B3EA17}" dt="2023-07-24T22:27:57.971" v="2226"/>
+      <pc:sldChg chg="modSp add del mod modTransition">
+        <pc:chgData name="John Olton" userId="ceefb0817b1c1914" providerId="LiveId" clId="{1A432AA6-B5EB-47F2-9795-B23FF1B3EA17}" dt="2023-07-24T23:43:50.057" v="2244" actId="2696"/>
         <pc:sldMkLst>
           <pc:docMk/>
           <pc:sldMk cId="2007193078" sldId="261"/>
@@ -270,8 +282,8 @@
           </ac:picMkLst>
         </pc:picChg>
       </pc:sldChg>
-      <pc:sldChg chg="addSp modSp mod modTransition">
-        <pc:chgData name="John Olton" userId="ceefb0817b1c1914" providerId="LiveId" clId="{1A432AA6-B5EB-47F2-9795-B23FF1B3EA17}" dt="2023-07-24T22:27:57.971" v="2226"/>
+      <pc:sldChg chg="addSp modSp mod ord modTransition">
+        <pc:chgData name="John Olton" userId="ceefb0817b1c1914" providerId="LiveId" clId="{1A432AA6-B5EB-47F2-9795-B23FF1B3EA17}" dt="2023-07-24T23:46:45.409" v="2254"/>
         <pc:sldMkLst>
           <pc:docMk/>
           <pc:sldMk cId="3968842148" sldId="262"/>
@@ -301,8 +313,8 @@
           </ac:picMkLst>
         </pc:picChg>
       </pc:sldChg>
-      <pc:sldChg chg="addSp modSp mod modTransition">
-        <pc:chgData name="John Olton" userId="ceefb0817b1c1914" providerId="LiveId" clId="{1A432AA6-B5EB-47F2-9795-B23FF1B3EA17}" dt="2023-07-24T22:27:57.971" v="2226"/>
+      <pc:sldChg chg="addSp modSp add del mod modTransition">
+        <pc:chgData name="John Olton" userId="ceefb0817b1c1914" providerId="LiveId" clId="{1A432AA6-B5EB-47F2-9795-B23FF1B3EA17}" dt="2023-07-24T23:43:56.375" v="2246" actId="2696"/>
         <pc:sldMkLst>
           <pc:docMk/>
           <pc:sldMk cId="371969005" sldId="263"/>
@@ -340,8 +352,8 @@
           </ac:picMkLst>
         </pc:picChg>
       </pc:sldChg>
-      <pc:sldChg chg="addSp delSp modSp mod ord modTransition setClrOvrMap">
-        <pc:chgData name="John Olton" userId="ceefb0817b1c1914" providerId="LiveId" clId="{1A432AA6-B5EB-47F2-9795-B23FF1B3EA17}" dt="2023-07-24T22:27:57.971" v="2226"/>
+      <pc:sldChg chg="addSp delSp modSp add del mod ord modTransition setClrOvrMap">
+        <pc:chgData name="John Olton" userId="ceefb0817b1c1914" providerId="LiveId" clId="{1A432AA6-B5EB-47F2-9795-B23FF1B3EA17}" dt="2023-07-24T23:44:03.509" v="2247" actId="2696"/>
         <pc:sldMkLst>
           <pc:docMk/>
           <pc:sldMk cId="1924456094" sldId="264"/>
@@ -427,8 +439,8 @@
           </ac:picMkLst>
         </pc:picChg>
       </pc:sldChg>
-      <pc:sldChg chg="addSp delSp modSp add mod ord modTransition">
-        <pc:chgData name="John Olton" userId="ceefb0817b1c1914" providerId="LiveId" clId="{1A432AA6-B5EB-47F2-9795-B23FF1B3EA17}" dt="2023-07-24T22:27:57.971" v="2226"/>
+      <pc:sldChg chg="addSp delSp modSp add del mod ord modTransition">
+        <pc:chgData name="John Olton" userId="ceefb0817b1c1914" providerId="LiveId" clId="{1A432AA6-B5EB-47F2-9795-B23FF1B3EA17}" dt="2023-07-24T23:46:48.516" v="2256"/>
         <pc:sldMkLst>
           <pc:docMk/>
           <pc:sldMk cId="3171922758" sldId="265"/>
@@ -498,8 +510,8 @@
           </ac:picMkLst>
         </pc:picChg>
       </pc:sldChg>
-      <pc:sldChg chg="addSp delSp modSp add mod ord modTransition setClrOvrMap">
-        <pc:chgData name="John Olton" userId="ceefb0817b1c1914" providerId="LiveId" clId="{1A432AA6-B5EB-47F2-9795-B23FF1B3EA17}" dt="2023-07-24T22:27:57.971" v="2226"/>
+      <pc:sldChg chg="addSp delSp modSp add del mod ord modTransition setClrOvrMap">
+        <pc:chgData name="John Olton" userId="ceefb0817b1c1914" providerId="LiveId" clId="{1A432AA6-B5EB-47F2-9795-B23FF1B3EA17}" dt="2023-07-24T23:44:07.340" v="2248" actId="2696"/>
         <pc:sldMkLst>
           <pc:docMk/>
           <pc:sldMk cId="2031029403" sldId="266"/>
@@ -553,8 +565,149 @@
           </ac:picMkLst>
         </pc:picChg>
       </pc:sldChg>
-      <pc:sldChg chg="addSp modSp add mod ord modTransition">
-        <pc:chgData name="John Olton" userId="ceefb0817b1c1914" providerId="LiveId" clId="{1A432AA6-B5EB-47F2-9795-B23FF1B3EA17}" dt="2023-07-24T22:27:57.971" v="2226"/>
+      <pc:sldChg chg="addSp delSp modSp add mod">
+        <pc:chgData name="John Olton" userId="ceefb0817b1c1914" providerId="LiveId" clId="{1A432AA6-B5EB-47F2-9795-B23FF1B3EA17}" dt="2023-07-25T00:01:14.201" v="2496" actId="14100"/>
+        <pc:sldMkLst>
+          <pc:docMk/>
+          <pc:sldMk cId="2575960092" sldId="266"/>
+        </pc:sldMkLst>
+        <pc:spChg chg="del">
+          <ac:chgData name="John Olton" userId="ceefb0817b1c1914" providerId="LiveId" clId="{1A432AA6-B5EB-47F2-9795-B23FF1B3EA17}" dt="2023-07-24T23:54:15.826" v="2283" actId="21"/>
+          <ac:spMkLst>
+            <pc:docMk/>
+            <pc:sldMk cId="2575960092" sldId="266"/>
+            <ac:spMk id="2" creationId="{84312829-19B9-77B4-D6EB-99A913E9844C}"/>
+          </ac:spMkLst>
+        </pc:spChg>
+        <pc:spChg chg="del">
+          <ac:chgData name="John Olton" userId="ceefb0817b1c1914" providerId="LiveId" clId="{1A432AA6-B5EB-47F2-9795-B23FF1B3EA17}" dt="2023-07-24T23:54:26.996" v="2286" actId="21"/>
+          <ac:spMkLst>
+            <pc:docMk/>
+            <pc:sldMk cId="2575960092" sldId="266"/>
+            <ac:spMk id="3" creationId="{1C817414-060C-D264-75B9-6D10CB0B5680}"/>
+          </ac:spMkLst>
+        </pc:spChg>
+        <pc:spChg chg="del">
+          <ac:chgData name="John Olton" userId="ceefb0817b1c1914" providerId="LiveId" clId="{1A432AA6-B5EB-47F2-9795-B23FF1B3EA17}" dt="2023-07-24T23:54:21.393" v="2285" actId="21"/>
+          <ac:spMkLst>
+            <pc:docMk/>
+            <pc:sldMk cId="2575960092" sldId="266"/>
+            <ac:spMk id="6" creationId="{E7CD543D-E062-7E82-80B6-8439DC3C888B}"/>
+          </ac:spMkLst>
+        </pc:spChg>
+        <pc:spChg chg="add del mod">
+          <ac:chgData name="John Olton" userId="ceefb0817b1c1914" providerId="LiveId" clId="{1A432AA6-B5EB-47F2-9795-B23FF1B3EA17}" dt="2023-07-24T23:54:18.828" v="2284" actId="21"/>
+          <ac:spMkLst>
+            <pc:docMk/>
+            <pc:sldMk cId="2575960092" sldId="266"/>
+            <ac:spMk id="7" creationId="{D9DF72C3-B895-3522-0F01-E9F2F548792B}"/>
+          </ac:spMkLst>
+        </pc:spChg>
+        <pc:spChg chg="add del mod">
+          <ac:chgData name="John Olton" userId="ceefb0817b1c1914" providerId="LiveId" clId="{1A432AA6-B5EB-47F2-9795-B23FF1B3EA17}" dt="2023-07-24T23:54:36.652" v="2289" actId="21"/>
+          <ac:spMkLst>
+            <pc:docMk/>
+            <pc:sldMk cId="2575960092" sldId="266"/>
+            <ac:spMk id="9" creationId="{2899A8B1-C52C-776D-EFC4-A3486750768F}"/>
+          </ac:spMkLst>
+        </pc:spChg>
+        <pc:spChg chg="add mod">
+          <ac:chgData name="John Olton" userId="ceefb0817b1c1914" providerId="LiveId" clId="{1A432AA6-B5EB-47F2-9795-B23FF1B3EA17}" dt="2023-07-24T23:57:56.376" v="2369" actId="20577"/>
+          <ac:spMkLst>
+            <pc:docMk/>
+            <pc:sldMk cId="2575960092" sldId="266"/>
+            <ac:spMk id="12" creationId="{13E21BFD-69E3-B182-FBF9-FB3F96ED8366}"/>
+          </ac:spMkLst>
+        </pc:spChg>
+        <pc:picChg chg="add del">
+          <ac:chgData name="John Olton" userId="ceefb0817b1c1914" providerId="LiveId" clId="{1A432AA6-B5EB-47F2-9795-B23FF1B3EA17}" dt="2023-07-24T23:54:32.051" v="2288" actId="21"/>
+          <ac:picMkLst>
+            <pc:docMk/>
+            <pc:sldMk cId="2575960092" sldId="266"/>
+            <ac:picMk id="5" creationId="{4C20F623-B2FC-9F44-24AB-3ED356CB3464}"/>
+          </ac:picMkLst>
+        </pc:picChg>
+        <pc:picChg chg="add mod">
+          <ac:chgData name="John Olton" userId="ceefb0817b1c1914" providerId="LiveId" clId="{1A432AA6-B5EB-47F2-9795-B23FF1B3EA17}" dt="2023-07-25T00:01:14.201" v="2496" actId="14100"/>
+          <ac:picMkLst>
+            <pc:docMk/>
+            <pc:sldMk cId="2575960092" sldId="266"/>
+            <ac:picMk id="11" creationId="{EBFA74E3-8DA9-6C68-941B-C1650302268D}"/>
+          </ac:picMkLst>
+        </pc:picChg>
+      </pc:sldChg>
+      <pc:sldChg chg="new del">
+        <pc:chgData name="John Olton" userId="ceefb0817b1c1914" providerId="LiveId" clId="{1A432AA6-B5EB-47F2-9795-B23FF1B3EA17}" dt="2023-07-24T23:46:06.535" v="2251" actId="2696"/>
+        <pc:sldMkLst>
+          <pc:docMk/>
+          <pc:sldMk cId="3538977704" sldId="266"/>
+        </pc:sldMkLst>
+      </pc:sldChg>
+      <pc:sldChg chg="addSp delSp modSp add mod">
+        <pc:chgData name="John Olton" userId="ceefb0817b1c1914" providerId="LiveId" clId="{1A432AA6-B5EB-47F2-9795-B23FF1B3EA17}" dt="2023-07-25T00:03:59.510" v="2640" actId="14100"/>
+        <pc:sldMkLst>
+          <pc:docMk/>
+          <pc:sldMk cId="370027098" sldId="267"/>
+        </pc:sldMkLst>
+        <pc:spChg chg="del mod">
+          <ac:chgData name="John Olton" userId="ceefb0817b1c1914" providerId="LiveId" clId="{1A432AA6-B5EB-47F2-9795-B23FF1B3EA17}" dt="2023-07-24T23:53:09.454" v="2266" actId="21"/>
+          <ac:spMkLst>
+            <pc:docMk/>
+            <pc:sldMk cId="370027098" sldId="267"/>
+            <ac:spMk id="2" creationId="{84312829-19B9-77B4-D6EB-99A913E9844C}"/>
+          </ac:spMkLst>
+        </pc:spChg>
+        <pc:spChg chg="del">
+          <ac:chgData name="John Olton" userId="ceefb0817b1c1914" providerId="LiveId" clId="{1A432AA6-B5EB-47F2-9795-B23FF1B3EA17}" dt="2023-07-24T23:53:19.718" v="2268" actId="21"/>
+          <ac:spMkLst>
+            <pc:docMk/>
+            <pc:sldMk cId="370027098" sldId="267"/>
+            <ac:spMk id="3" creationId="{1C817414-060C-D264-75B9-6D10CB0B5680}"/>
+          </ac:spMkLst>
+        </pc:spChg>
+        <pc:spChg chg="del">
+          <ac:chgData name="John Olton" userId="ceefb0817b1c1914" providerId="LiveId" clId="{1A432AA6-B5EB-47F2-9795-B23FF1B3EA17}" dt="2023-07-24T23:53:04.483" v="2265" actId="21"/>
+          <ac:spMkLst>
+            <pc:docMk/>
+            <pc:sldMk cId="370027098" sldId="267"/>
+            <ac:spMk id="6" creationId="{E7CD543D-E062-7E82-80B6-8439DC3C888B}"/>
+          </ac:spMkLst>
+        </pc:spChg>
+        <pc:spChg chg="add del mod">
+          <ac:chgData name="John Olton" userId="ceefb0817b1c1914" providerId="LiveId" clId="{1A432AA6-B5EB-47F2-9795-B23FF1B3EA17}" dt="2023-07-24T23:53:15.160" v="2267" actId="21"/>
+          <ac:spMkLst>
+            <pc:docMk/>
+            <pc:sldMk cId="370027098" sldId="267"/>
+            <ac:spMk id="9" creationId="{EF72FB67-89DF-9A57-76B7-F20B370BFCED}"/>
+          </ac:spMkLst>
+        </pc:spChg>
+        <pc:spChg chg="add del mod">
+          <ac:chgData name="John Olton" userId="ceefb0817b1c1914" providerId="LiveId" clId="{1A432AA6-B5EB-47F2-9795-B23FF1B3EA17}" dt="2023-07-25T00:01:07.597" v="2495" actId="21"/>
+          <ac:spMkLst>
+            <pc:docMk/>
+            <pc:sldMk cId="370027098" sldId="267"/>
+            <ac:spMk id="11" creationId="{D86AD090-D7D4-27D6-05A2-8BEE232B02B1}"/>
+          </ac:spMkLst>
+        </pc:spChg>
+        <pc:spChg chg="add mod">
+          <ac:chgData name="John Olton" userId="ceefb0817b1c1914" providerId="LiveId" clId="{1A432AA6-B5EB-47F2-9795-B23FF1B3EA17}" dt="2023-07-25T00:03:55.542" v="2639" actId="20577"/>
+          <ac:spMkLst>
+            <pc:docMk/>
+            <pc:sldMk cId="370027098" sldId="267"/>
+            <ac:spMk id="12" creationId="{8D4EE316-11CB-60B4-1F34-82B6E4734650}"/>
+          </ac:spMkLst>
+        </pc:spChg>
+        <pc:picChg chg="add mod">
+          <ac:chgData name="John Olton" userId="ceefb0817b1c1914" providerId="LiveId" clId="{1A432AA6-B5EB-47F2-9795-B23FF1B3EA17}" dt="2023-07-25T00:03:59.510" v="2640" actId="14100"/>
+          <ac:picMkLst>
+            <pc:docMk/>
+            <pc:sldMk cId="370027098" sldId="267"/>
+            <ac:picMk id="7" creationId="{277A3233-3EFE-FE97-0535-C21FD29DC4C8}"/>
+          </ac:picMkLst>
+        </pc:picChg>
+      </pc:sldChg>
+      <pc:sldChg chg="addSp modSp add del mod ord modTransition">
+        <pc:chgData name="John Olton" userId="ceefb0817b1c1914" providerId="LiveId" clId="{1A432AA6-B5EB-47F2-9795-B23FF1B3EA17}" dt="2023-07-24T23:44:09.502" v="2249" actId="2696"/>
         <pc:sldMkLst>
           <pc:docMk/>
           <pc:sldMk cId="3977214261" sldId="267"/>
@@ -589,6 +742,219 @@
             <pc:docMk/>
             <pc:sldMk cId="3977214261" sldId="267"/>
             <ac:picMk id="5" creationId="{4C20F623-B2FC-9F44-24AB-3ED356CB3464}"/>
+          </ac:picMkLst>
+        </pc:picChg>
+      </pc:sldChg>
+      <pc:sldChg chg="addSp delSp modSp add mod">
+        <pc:chgData name="John Olton" userId="ceefb0817b1c1914" providerId="LiveId" clId="{1A432AA6-B5EB-47F2-9795-B23FF1B3EA17}" dt="2023-07-25T00:02:01.862" v="2564" actId="20577"/>
+        <pc:sldMkLst>
+          <pc:docMk/>
+          <pc:sldMk cId="3844974939" sldId="268"/>
+        </pc:sldMkLst>
+        <pc:spChg chg="del">
+          <ac:chgData name="John Olton" userId="ceefb0817b1c1914" providerId="LiveId" clId="{1A432AA6-B5EB-47F2-9795-B23FF1B3EA17}" dt="2023-07-24T23:53:50.085" v="2277" actId="21"/>
+          <ac:spMkLst>
+            <pc:docMk/>
+            <pc:sldMk cId="3844974939" sldId="268"/>
+            <ac:spMk id="2" creationId="{84312829-19B9-77B4-D6EB-99A913E9844C}"/>
+          </ac:spMkLst>
+        </pc:spChg>
+        <pc:spChg chg="del">
+          <ac:chgData name="John Olton" userId="ceefb0817b1c1914" providerId="LiveId" clId="{1A432AA6-B5EB-47F2-9795-B23FF1B3EA17}" dt="2023-07-24T23:54:09.156" v="2282" actId="21"/>
+          <ac:spMkLst>
+            <pc:docMk/>
+            <pc:sldMk cId="3844974939" sldId="268"/>
+            <ac:spMk id="3" creationId="{1C817414-060C-D264-75B9-6D10CB0B5680}"/>
+          </ac:spMkLst>
+        </pc:spChg>
+        <pc:spChg chg="del">
+          <ac:chgData name="John Olton" userId="ceefb0817b1c1914" providerId="LiveId" clId="{1A432AA6-B5EB-47F2-9795-B23FF1B3EA17}" dt="2023-07-24T23:54:05.758" v="2281" actId="21"/>
+          <ac:spMkLst>
+            <pc:docMk/>
+            <pc:sldMk cId="3844974939" sldId="268"/>
+            <ac:spMk id="6" creationId="{E7CD543D-E062-7E82-80B6-8439DC3C888B}"/>
+          </ac:spMkLst>
+        </pc:spChg>
+        <pc:spChg chg="add del mod">
+          <ac:chgData name="John Olton" userId="ceefb0817b1c1914" providerId="LiveId" clId="{1A432AA6-B5EB-47F2-9795-B23FF1B3EA17}" dt="2023-07-24T23:53:57.353" v="2278" actId="21"/>
+          <ac:spMkLst>
+            <pc:docMk/>
+            <pc:sldMk cId="3844974939" sldId="268"/>
+            <ac:spMk id="7" creationId="{F582A217-F74E-B66C-0FD1-2535BA0F4C1A}"/>
+          </ac:spMkLst>
+        </pc:spChg>
+        <pc:spChg chg="add mod">
+          <ac:chgData name="John Olton" userId="ceefb0817b1c1914" providerId="LiveId" clId="{1A432AA6-B5EB-47F2-9795-B23FF1B3EA17}" dt="2023-07-24T23:54:09.156" v="2282" actId="21"/>
+          <ac:spMkLst>
+            <pc:docMk/>
+            <pc:sldMk cId="3844974939" sldId="268"/>
+            <ac:spMk id="9" creationId="{57E783AD-9D44-E5E2-AD13-F11BD0FA220A}"/>
+          </ac:spMkLst>
+        </pc:spChg>
+        <pc:spChg chg="add mod">
+          <ac:chgData name="John Olton" userId="ceefb0817b1c1914" providerId="LiveId" clId="{1A432AA6-B5EB-47F2-9795-B23FF1B3EA17}" dt="2023-07-25T00:02:01.862" v="2564" actId="20577"/>
+          <ac:spMkLst>
+            <pc:docMk/>
+            <pc:sldMk cId="3844974939" sldId="268"/>
+            <ac:spMk id="12" creationId="{FE644223-CB0D-5538-5AB5-EC343C4379FE}"/>
+          </ac:spMkLst>
+        </pc:spChg>
+        <pc:picChg chg="add del">
+          <ac:chgData name="John Olton" userId="ceefb0817b1c1914" providerId="LiveId" clId="{1A432AA6-B5EB-47F2-9795-B23FF1B3EA17}" dt="2023-07-24T23:54:02.346" v="2280" actId="21"/>
+          <ac:picMkLst>
+            <pc:docMk/>
+            <pc:sldMk cId="3844974939" sldId="268"/>
+            <ac:picMk id="5" creationId="{4C20F623-B2FC-9F44-24AB-3ED356CB3464}"/>
+          </ac:picMkLst>
+        </pc:picChg>
+        <pc:picChg chg="add mod">
+          <ac:chgData name="John Olton" userId="ceefb0817b1c1914" providerId="LiveId" clId="{1A432AA6-B5EB-47F2-9795-B23FF1B3EA17}" dt="2023-07-24T23:55:03.604" v="2297" actId="962"/>
+          <ac:picMkLst>
+            <pc:docMk/>
+            <pc:sldMk cId="3844974939" sldId="268"/>
+            <ac:picMk id="11" creationId="{08A5B58F-0E72-BA0B-43C4-F376D2D45BBF}"/>
+          </ac:picMkLst>
+        </pc:picChg>
+      </pc:sldChg>
+      <pc:sldChg chg="addSp delSp modSp add mod">
+        <pc:chgData name="John Olton" userId="ceefb0817b1c1914" providerId="LiveId" clId="{1A432AA6-B5EB-47F2-9795-B23FF1B3EA17}" dt="2023-07-25T00:00:52.501" v="2494" actId="313"/>
+        <pc:sldMkLst>
+          <pc:docMk/>
+          <pc:sldMk cId="2164144302" sldId="269"/>
+        </pc:sldMkLst>
+        <pc:spChg chg="del">
+          <ac:chgData name="John Olton" userId="ceefb0817b1c1914" providerId="LiveId" clId="{1A432AA6-B5EB-47F2-9795-B23FF1B3EA17}" dt="2023-07-24T23:53:44.098" v="2276" actId="21"/>
+          <ac:spMkLst>
+            <pc:docMk/>
+            <pc:sldMk cId="2164144302" sldId="269"/>
+            <ac:spMk id="2" creationId="{84312829-19B9-77B4-D6EB-99A913E9844C}"/>
+          </ac:spMkLst>
+        </pc:spChg>
+        <pc:spChg chg="del">
+          <ac:chgData name="John Olton" userId="ceefb0817b1c1914" providerId="LiveId" clId="{1A432AA6-B5EB-47F2-9795-B23FF1B3EA17}" dt="2023-07-24T23:53:38.935" v="2274" actId="21"/>
+          <ac:spMkLst>
+            <pc:docMk/>
+            <pc:sldMk cId="2164144302" sldId="269"/>
+            <ac:spMk id="3" creationId="{1C817414-060C-D264-75B9-6D10CB0B5680}"/>
+          </ac:spMkLst>
+        </pc:spChg>
+        <pc:spChg chg="del">
+          <ac:chgData name="John Olton" userId="ceefb0817b1c1914" providerId="LiveId" clId="{1A432AA6-B5EB-47F2-9795-B23FF1B3EA17}" dt="2023-07-24T23:53:41.494" v="2275" actId="21"/>
+          <ac:spMkLst>
+            <pc:docMk/>
+            <pc:sldMk cId="2164144302" sldId="269"/>
+            <ac:spMk id="6" creationId="{E7CD543D-E062-7E82-80B6-8439DC3C888B}"/>
+          </ac:spMkLst>
+        </pc:spChg>
+        <pc:spChg chg="add del mod">
+          <ac:chgData name="John Olton" userId="ceefb0817b1c1914" providerId="LiveId" clId="{1A432AA6-B5EB-47F2-9795-B23FF1B3EA17}" dt="2023-07-24T23:58:25.098" v="2372" actId="21"/>
+          <ac:spMkLst>
+            <pc:docMk/>
+            <pc:sldMk cId="2164144302" sldId="269"/>
+            <ac:spMk id="7" creationId="{135E4C71-E5E8-037B-F57D-1DE25C3A698F}"/>
+          </ac:spMkLst>
+        </pc:spChg>
+        <pc:spChg chg="add del mod">
+          <ac:chgData name="John Olton" userId="ceefb0817b1c1914" providerId="LiveId" clId="{1A432AA6-B5EB-47F2-9795-B23FF1B3EA17}" dt="2023-07-24T23:58:21.143" v="2371" actId="21"/>
+          <ac:spMkLst>
+            <pc:docMk/>
+            <pc:sldMk cId="2164144302" sldId="269"/>
+            <ac:spMk id="9" creationId="{82A7B5BA-076F-A0C2-0BCF-08B48A783FFD}"/>
+          </ac:spMkLst>
+        </pc:spChg>
+        <pc:spChg chg="add mod">
+          <ac:chgData name="John Olton" userId="ceefb0817b1c1914" providerId="LiveId" clId="{1A432AA6-B5EB-47F2-9795-B23FF1B3EA17}" dt="2023-07-25T00:00:52.501" v="2494" actId="313"/>
+          <ac:spMkLst>
+            <pc:docMk/>
+            <pc:sldMk cId="2164144302" sldId="269"/>
+            <ac:spMk id="12" creationId="{9E36DE16-23A2-4D08-6030-3CAE7A352626}"/>
+          </ac:spMkLst>
+        </pc:spChg>
+        <pc:picChg chg="add mod">
+          <ac:chgData name="John Olton" userId="ceefb0817b1c1914" providerId="LiveId" clId="{1A432AA6-B5EB-47F2-9795-B23FF1B3EA17}" dt="2023-07-24T23:55:19.228" v="2302" actId="1076"/>
+          <ac:picMkLst>
+            <pc:docMk/>
+            <pc:sldMk cId="2164144302" sldId="269"/>
+            <ac:picMk id="11" creationId="{FB982F49-F9AC-75A1-A7C0-CDC637B3E1E1}"/>
+          </ac:picMkLst>
+        </pc:picChg>
+      </pc:sldChg>
+      <pc:sldChg chg="addSp delSp modSp add mod">
+        <pc:chgData name="John Olton" userId="ceefb0817b1c1914" providerId="LiveId" clId="{1A432AA6-B5EB-47F2-9795-B23FF1B3EA17}" dt="2023-07-24T23:59:36.069" v="2429" actId="14100"/>
+        <pc:sldMkLst>
+          <pc:docMk/>
+          <pc:sldMk cId="2751597822" sldId="270"/>
+        </pc:sldMkLst>
+        <pc:spChg chg="del">
+          <ac:chgData name="John Olton" userId="ceefb0817b1c1914" providerId="LiveId" clId="{1A432AA6-B5EB-47F2-9795-B23FF1B3EA17}" dt="2023-07-24T23:53:34.309" v="2273" actId="21"/>
+          <ac:spMkLst>
+            <pc:docMk/>
+            <pc:sldMk cId="2751597822" sldId="270"/>
+            <ac:spMk id="2" creationId="{84312829-19B9-77B4-D6EB-99A913E9844C}"/>
+          </ac:spMkLst>
+        </pc:spChg>
+        <pc:spChg chg="del">
+          <ac:chgData name="John Olton" userId="ceefb0817b1c1914" providerId="LiveId" clId="{1A432AA6-B5EB-47F2-9795-B23FF1B3EA17}" dt="2023-07-24T23:53:29.076" v="2271" actId="21"/>
+          <ac:spMkLst>
+            <pc:docMk/>
+            <pc:sldMk cId="2751597822" sldId="270"/>
+            <ac:spMk id="3" creationId="{1C817414-060C-D264-75B9-6D10CB0B5680}"/>
+          </ac:spMkLst>
+        </pc:spChg>
+        <pc:spChg chg="del">
+          <ac:chgData name="John Olton" userId="ceefb0817b1c1914" providerId="LiveId" clId="{1A432AA6-B5EB-47F2-9795-B23FF1B3EA17}" dt="2023-07-24T23:53:31.890" v="2272" actId="21"/>
+          <ac:spMkLst>
+            <pc:docMk/>
+            <pc:sldMk cId="2751597822" sldId="270"/>
+            <ac:spMk id="6" creationId="{E7CD543D-E062-7E82-80B6-8439DC3C888B}"/>
+          </ac:spMkLst>
+        </pc:spChg>
+        <pc:spChg chg="add del mod">
+          <ac:chgData name="John Olton" userId="ceefb0817b1c1914" providerId="LiveId" clId="{1A432AA6-B5EB-47F2-9795-B23FF1B3EA17}" dt="2023-07-24T23:58:42.554" v="2375" actId="21"/>
+          <ac:spMkLst>
+            <pc:docMk/>
+            <pc:sldMk cId="2751597822" sldId="270"/>
+            <ac:spMk id="7" creationId="{C779CDFA-3021-3277-50BE-58B67BD3AE8A}"/>
+          </ac:spMkLst>
+        </pc:spChg>
+        <pc:spChg chg="add del mod">
+          <ac:chgData name="John Olton" userId="ceefb0817b1c1914" providerId="LiveId" clId="{1A432AA6-B5EB-47F2-9795-B23FF1B3EA17}" dt="2023-07-24T23:58:39.905" v="2374" actId="21"/>
+          <ac:spMkLst>
+            <pc:docMk/>
+            <pc:sldMk cId="2751597822" sldId="270"/>
+            <ac:spMk id="9" creationId="{D19B4FE2-D7E6-E0D8-1D48-FBAA2407EAB5}"/>
+          </ac:spMkLst>
+        </pc:spChg>
+        <pc:spChg chg="add mod">
+          <ac:chgData name="John Olton" userId="ceefb0817b1c1914" providerId="LiveId" clId="{1A432AA6-B5EB-47F2-9795-B23FF1B3EA17}" dt="2023-07-24T23:59:16.935" v="2421" actId="20577"/>
+          <ac:spMkLst>
+            <pc:docMk/>
+            <pc:sldMk cId="2751597822" sldId="270"/>
+            <ac:spMk id="14" creationId="{87B6F2DD-2090-06E0-1CE0-2D814CF53EC9}"/>
+          </ac:spMkLst>
+        </pc:spChg>
+        <pc:picChg chg="mod">
+          <ac:chgData name="John Olton" userId="ceefb0817b1c1914" providerId="LiveId" clId="{1A432AA6-B5EB-47F2-9795-B23FF1B3EA17}" dt="2023-07-24T23:59:31.629" v="2428" actId="1076"/>
+          <ac:picMkLst>
+            <pc:docMk/>
+            <pc:sldMk cId="2751597822" sldId="270"/>
+            <ac:picMk id="5" creationId="{4C20F623-B2FC-9F44-24AB-3ED356CB3464}"/>
+          </ac:picMkLst>
+        </pc:picChg>
+        <pc:picChg chg="add mod">
+          <ac:chgData name="John Olton" userId="ceefb0817b1c1914" providerId="LiveId" clId="{1A432AA6-B5EB-47F2-9795-B23FF1B3EA17}" dt="2023-07-24T23:59:36.069" v="2429" actId="14100"/>
+          <ac:picMkLst>
+            <pc:docMk/>
+            <pc:sldMk cId="2751597822" sldId="270"/>
+            <ac:picMk id="11" creationId="{6E890458-8F83-7512-FF9C-02C267F1EBDA}"/>
+          </ac:picMkLst>
+        </pc:picChg>
+        <pc:picChg chg="add del mod">
+          <ac:chgData name="John Olton" userId="ceefb0817b1c1914" providerId="LiveId" clId="{1A432AA6-B5EB-47F2-9795-B23FF1B3EA17}" dt="2023-07-24T23:56:06.134" v="2309" actId="21"/>
+          <ac:picMkLst>
+            <pc:docMk/>
+            <pc:sldMk cId="2751597822" sldId="270"/>
+            <ac:picMk id="13" creationId="{D75BCC62-3D2B-03B1-4EE2-C5B57A318063}"/>
           </ac:picMkLst>
         </pc:picChg>
       </pc:sldChg>
@@ -4026,10 +4392,7 @@
           <a:lstStyle/>
           <a:p>
             <a:pPr algn="l"/>
-            <a:r>
-              <a:rPr lang="en-US" sz="3200"/>
-              <a:t>John Olton</a:t>
-            </a:r>
+            <a:endParaRPr lang="en-US" sz="3200" dirty="0"/>
           </a:p>
         </p:txBody>
       </p:sp>
@@ -4163,13 +4526,13 @@
         </p:nvSpPr>
         <p:spPr>
           <a:xfrm>
-            <a:off x="965200" y="307818"/>
-            <a:ext cx="10261600" cy="1376127"/>
+            <a:off x="965200" y="0"/>
+            <a:ext cx="10261600" cy="1750734"/>
           </a:xfrm>
         </p:spPr>
         <p:txBody>
           <a:bodyPr>
-            <a:noAutofit/>
+            <a:normAutofit/>
           </a:bodyPr>
           <a:lstStyle/>
           <a:p>
@@ -4184,7 +4547,7 @@
                 </a:ln>
                 <a:noFill/>
               </a:rPr>
-              <a:t>What is each state’s fire season bases on month vs state?</a:t>
+              <a:t>Has fire fighting gotten more efficient/ effective over time?</a:t>
             </a:r>
           </a:p>
         </p:txBody>
@@ -4194,7 +4557,7 @@
           <p:cNvPr id="7" name="Subtitle 6">
             <a:extLst>
               <a:ext uri="{FF2B5EF4-FFF2-40B4-BE49-F238E27FC236}">
-                <a16:creationId xmlns:a16="http://schemas.microsoft.com/office/drawing/2014/main" id="{5063F155-4428-03F0-4EB5-C5CCCAC4E763}"/>
+                <a16:creationId xmlns:a16="http://schemas.microsoft.com/office/drawing/2014/main" id="{950392B1-BA60-6ADC-E9F2-6DBEEDDE41B6}"/>
               </a:ext>
             </a:extLst>
           </p:cNvPr>
@@ -4207,8 +4570,8 @@
         </p:nvSpPr>
         <p:spPr>
           <a:xfrm>
-            <a:off x="1524000" y="2100405"/>
-            <a:ext cx="9144000" cy="769544"/>
+            <a:off x="1524000" y="1874067"/>
+            <a:ext cx="9144000" cy="760491"/>
           </a:xfrm>
         </p:spPr>
         <p:txBody>
@@ -4217,17 +4580,17 @@
           <a:p>
             <a:r>
               <a:rPr lang="en-US" dirty="0"/>
-              <a:t>The fire season for my states are July and August. The months outside of them don’t have as many fires as those two months.</a:t>
+              <a:t>Yes, it has. Even though there are outliers over time fighting forest fires has gotten more efficient over time.  </a:t>
             </a:r>
           </a:p>
         </p:txBody>
       </p:sp>
       <p:pic>
         <p:nvPicPr>
-          <p:cNvPr id="9" name="Picture 8" descr="A red graph with black text">
-            <a:extLst>
-              <a:ext uri="{FF2B5EF4-FFF2-40B4-BE49-F238E27FC236}">
-                <a16:creationId xmlns:a16="http://schemas.microsoft.com/office/drawing/2014/main" id="{35D7841D-5918-C71B-DFB7-B6B17919CAEC}"/>
+          <p:cNvPr id="9" name="Picture 8" descr="A graph of a number of wildfires&#10;&#10;Description automatically generated">
+            <a:extLst>
+              <a:ext uri="{FF2B5EF4-FFF2-40B4-BE49-F238E27FC236}">
+                <a16:creationId xmlns:a16="http://schemas.microsoft.com/office/drawing/2014/main" id="{D66F80DF-3262-630C-E88E-26EDB20DBD49}"/>
               </a:ext>
             </a:extLst>
           </p:cNvPr>
@@ -4250,8 +4613,8 @@
         </p:blipFill>
         <p:spPr>
           <a:xfrm>
-            <a:off x="1" y="3576873"/>
-            <a:ext cx="12191999" cy="3281117"/>
+            <a:off x="590550" y="2634558"/>
+            <a:ext cx="10839450" cy="4223432"/>
           </a:xfrm>
           <a:prstGeom prst="rect">
             <a:avLst/>
@@ -4261,7 +4624,7 @@
     </p:spTree>
     <p:extLst>
       <p:ext uri="{BB962C8B-B14F-4D97-AF65-F5344CB8AC3E}">
-        <p14:creationId xmlns:p14="http://schemas.microsoft.com/office/powerpoint/2010/main" val="2007193078"/>
+        <p14:creationId xmlns:p14="http://schemas.microsoft.com/office/powerpoint/2010/main" val="3968842148"/>
       </p:ext>
     </p:extLst>
   </p:cSld>
@@ -4274,6 +4637,14 @@
 <file path=ppt/slides/slide3.xml><?xml version="1.0" encoding="utf-8"?>
 <p:sld xmlns:a="http://schemas.openxmlformats.org/drawingml/2006/main" xmlns:r="http://schemas.openxmlformats.org/officeDocument/2006/relationships" xmlns:p="http://schemas.openxmlformats.org/presentationml/2006/main">
   <p:cSld>
+    <p:bg>
+      <p:bgPr>
+        <a:solidFill>
+          <a:schemeClr val="bg1"/>
+        </a:solidFill>
+        <a:effectLst/>
+      </p:bgPr>
+    </p:bg>
     <p:spTree>
       <p:nvGrpSpPr>
         <p:cNvPr id="1" name=""/>
@@ -4290,26 +4661,62 @@
       </p:grpSpPr>
       <p:pic>
         <p:nvPicPr>
-          <p:cNvPr id="19" name="Picture 18" descr="A fire in the woods&#10;&#10;Description automatically generated">
-            <a:extLst>
-              <a:ext uri="{FF2B5EF4-FFF2-40B4-BE49-F238E27FC236}">
-                <a16:creationId xmlns:a16="http://schemas.microsoft.com/office/drawing/2014/main" id="{AE52720C-7B95-B497-AFC2-0D212C0DA506}"/>
+          <p:cNvPr id="5" name="Picture 4" descr="A fire in the woods">
+            <a:extLst>
+              <a:ext uri="{FF2B5EF4-FFF2-40B4-BE49-F238E27FC236}">
+                <a16:creationId xmlns:a16="http://schemas.microsoft.com/office/drawing/2014/main" id="{4C20F623-B2FC-9F44-24AB-3ED356CB3464}"/>
               </a:ext>
             </a:extLst>
           </p:cNvPr>
           <p:cNvPicPr>
-            <a:picLocks noGrp="1" noRot="1" noChangeAspect="1" noMove="1" noResize="1" noEditPoints="1" noAdjustHandles="1" noChangeArrowheads="1" noChangeShapeType="1" noCrop="1"/>
+            <a:picLocks noChangeAspect="1"/>
+          </p:cNvPicPr>
+          <p:nvPr/>
+        </p:nvPicPr>
+        <p:blipFill rotWithShape="1">
+          <a:blip r:embed="rId2">
+            <a:alphaModFix amt="40000"/>
+            <a:extLst>
+              <a:ext uri="{28A0092B-C50C-407E-A947-70E740481C1C}">
+                <a14:useLocalDpi xmlns:a14="http://schemas.microsoft.com/office/drawing/2010/main" val="0"/>
+              </a:ext>
+              <a:ext uri="{837473B0-CC2E-450A-ABE3-18F120FF3D39}">
+                <a1611:picAttrSrcUrl xmlns:a1611="http://schemas.microsoft.com/office/drawing/2016/11/main" r:id="rId3"/>
+              </a:ext>
+            </a:extLst>
+          </a:blip>
+          <a:srcRect l="641" r="7358" b="-1"/>
+          <a:stretch/>
+        </p:blipFill>
+        <p:spPr>
+          <a:xfrm>
+            <a:off x="0" y="0"/>
+            <a:ext cx="12192000" cy="6857990"/>
+          </a:xfrm>
+          <a:prstGeom prst="rect">
+            <a:avLst/>
+          </a:prstGeom>
+        </p:spPr>
+      </p:pic>
+      <p:pic>
+        <p:nvPicPr>
+          <p:cNvPr id="8" name="Picture 7" descr="A graph with blue squares&#10;&#10;Description automatically generated">
+            <a:extLst>
+              <a:ext uri="{FF2B5EF4-FFF2-40B4-BE49-F238E27FC236}">
+                <a16:creationId xmlns:a16="http://schemas.microsoft.com/office/drawing/2014/main" id="{8FF797AD-7846-23DA-5FB8-F15FA314CAC5}"/>
+              </a:ext>
+            </a:extLst>
+          </p:cNvPr>
+          <p:cNvPicPr>
+            <a:picLocks noChangeAspect="1"/>
           </p:cNvPicPr>
           <p:nvPr/>
         </p:nvPicPr>
         <p:blipFill>
-          <a:blip r:embed="rId2">
+          <a:blip r:embed="rId4">
             <a:extLst>
               <a:ext uri="{28A0092B-C50C-407E-A947-70E740481C1C}">
                 <a14:useLocalDpi xmlns:a14="http://schemas.microsoft.com/office/drawing/2010/main" val="0"/>
-              </a:ext>
-              <a:ext uri="{837473B0-CC2E-450A-ABE3-18F120FF3D39}">
-                <a1611:picAttrSrcUrl xmlns:a1611="http://schemas.microsoft.com/office/drawing/2016/11/main" r:id="rId3"/>
               </a:ext>
             </a:extLst>
           </a:blip>
@@ -4320,7 +4727,7 @@
         <p:spPr>
           <a:xfrm>
             <a:off x="0" y="0"/>
-            <a:ext cx="12192000" cy="6859049"/>
+            <a:ext cx="9043434" cy="3602360"/>
           </a:xfrm>
           <a:prstGeom prst="rect">
             <a:avLst/>
@@ -4329,10 +4736,10 @@
       </p:pic>
       <p:pic>
         <p:nvPicPr>
-          <p:cNvPr id="17" name="Picture 16" descr="A red graph with black lines&#10;&#10;Description automatically generated">
-            <a:extLst>
-              <a:ext uri="{FF2B5EF4-FFF2-40B4-BE49-F238E27FC236}">
-                <a16:creationId xmlns:a16="http://schemas.microsoft.com/office/drawing/2014/main" id="{0118D9B6-6C7A-E403-4D89-545494FCCBCF}"/>
+          <p:cNvPr id="10" name="Picture 9" descr="A graph of blue bars&#10;&#10;Description automatically generated">
+            <a:extLst>
+              <a:ext uri="{FF2B5EF4-FFF2-40B4-BE49-F238E27FC236}">
+                <a16:creationId xmlns:a16="http://schemas.microsoft.com/office/drawing/2014/main" id="{978054E9-C8EA-1129-F239-4735D4F55147}"/>
               </a:ext>
             </a:extLst>
           </p:cNvPr>
@@ -4342,7 +4749,7 @@
           <p:nvPr/>
         </p:nvPicPr>
         <p:blipFill>
-          <a:blip r:embed="rId4">
+          <a:blip r:embed="rId5">
             <a:extLst>
               <a:ext uri="{28A0092B-C50C-407E-A947-70E740481C1C}">
                 <a14:useLocalDpi xmlns:a14="http://schemas.microsoft.com/office/drawing/2010/main" val="0"/>
@@ -4355,65 +4762,30 @@
         </p:blipFill>
         <p:spPr>
           <a:xfrm>
-            <a:off x="3138787" y="1"/>
-            <a:ext cx="9050447" cy="3429000"/>
+            <a:off x="3148566" y="3602370"/>
+            <a:ext cx="9043434" cy="3255630"/>
           </a:xfrm>
           <a:prstGeom prst="rect">
             <a:avLst/>
           </a:prstGeom>
         </p:spPr>
       </p:pic>
-      <p:pic>
-        <p:nvPicPr>
-          <p:cNvPr id="15" name="Content Placeholder 14" descr="A graph with red squares&#10;&#10;Description automatically generated">
-            <a:extLst>
-              <a:ext uri="{FF2B5EF4-FFF2-40B4-BE49-F238E27FC236}">
-                <a16:creationId xmlns:a16="http://schemas.microsoft.com/office/drawing/2014/main" id="{D2BC4CFE-A8FA-B788-7854-62B2E9B6BE4C}"/>
-              </a:ext>
-            </a:extLst>
-          </p:cNvPr>
-          <p:cNvPicPr>
-            <a:picLocks noGrp="1" noChangeAspect="1"/>
-          </p:cNvPicPr>
-          <p:nvPr>
-            <p:ph idx="1"/>
-          </p:nvPr>
-        </p:nvPicPr>
-        <p:blipFill>
-          <a:blip r:embed="rId5">
-            <a:extLst>
-              <a:ext uri="{28A0092B-C50C-407E-A947-70E740481C1C}">
-                <a14:useLocalDpi xmlns:a14="http://schemas.microsoft.com/office/drawing/2010/main" val="0"/>
-              </a:ext>
-            </a:extLst>
-          </a:blip>
-          <a:stretch>
-            <a:fillRect/>
-          </a:stretch>
-        </p:blipFill>
+      <p:sp>
+        <p:nvSpPr>
+          <p:cNvPr id="11" name="TextBox 10">
+            <a:extLst>
+              <a:ext uri="{FF2B5EF4-FFF2-40B4-BE49-F238E27FC236}">
+                <a16:creationId xmlns:a16="http://schemas.microsoft.com/office/drawing/2014/main" id="{2A40D423-23E5-4FAE-F091-9C94FE8FD529}"/>
+              </a:ext>
+            </a:extLst>
+          </p:cNvPr>
+          <p:cNvSpPr txBox="1"/>
+          <p:nvPr/>
+        </p:nvSpPr>
         <p:spPr>
           <a:xfrm>
-            <a:off x="3141553" y="3429001"/>
-            <a:ext cx="9050448" cy="3429000"/>
-          </a:xfrm>
-        </p:spPr>
-      </p:pic>
-      <p:sp>
-        <p:nvSpPr>
-          <p:cNvPr id="21" name="TextBox 20">
-            <a:extLst>
-              <a:ext uri="{FF2B5EF4-FFF2-40B4-BE49-F238E27FC236}">
-                <a16:creationId xmlns:a16="http://schemas.microsoft.com/office/drawing/2014/main" id="{614F8378-A15E-A09F-CDA6-7CDF632DBC55}"/>
-              </a:ext>
-            </a:extLst>
-          </p:cNvPr>
-          <p:cNvSpPr txBox="1"/>
-          <p:nvPr/>
-        </p:nvSpPr>
-        <p:spPr>
-          <a:xfrm>
-            <a:off x="552261" y="561315"/>
-            <a:ext cx="2027977" cy="2677656"/>
+            <a:off x="9439274" y="561974"/>
+            <a:ext cx="2314575" cy="646331"/>
           </a:xfrm>
           <a:prstGeom prst="rect">
             <a:avLst/>
@@ -4427,12 +4799,43 @@
           <a:lstStyle/>
           <a:p>
             <a:r>
-              <a:rPr lang="en-US" sz="2400" dirty="0">
-                <a:solidFill>
-                  <a:schemeClr val="bg1"/>
-                </a:solidFill>
-              </a:rPr>
-              <a:t>The Difference between a state with 33 fires and a state with almost 250,000.</a:t>
+              <a:rPr lang="en-US" dirty="0"/>
+              <a:t>Major outlier for Oregon.</a:t>
+            </a:r>
+          </a:p>
+        </p:txBody>
+      </p:sp>
+      <p:sp>
+        <p:nvSpPr>
+          <p:cNvPr id="12" name="TextBox 11">
+            <a:extLst>
+              <a:ext uri="{FF2B5EF4-FFF2-40B4-BE49-F238E27FC236}">
+                <a16:creationId xmlns:a16="http://schemas.microsoft.com/office/drawing/2014/main" id="{41012C82-FFA6-3582-404A-60BC5F3A4442}"/>
+              </a:ext>
+            </a:extLst>
+          </p:cNvPr>
+          <p:cNvSpPr txBox="1"/>
+          <p:nvPr/>
+        </p:nvSpPr>
+        <p:spPr>
+          <a:xfrm>
+            <a:off x="438151" y="4105275"/>
+            <a:ext cx="2152649" cy="923330"/>
+          </a:xfrm>
+          <a:prstGeom prst="rect">
+            <a:avLst/>
+          </a:prstGeom>
+          <a:noFill/>
+        </p:spPr>
+        <p:txBody>
+          <a:bodyPr wrap="square" rtlCol="0">
+            <a:spAutoFit/>
+          </a:bodyPr>
+          <a:lstStyle/>
+          <a:p>
+            <a:r>
+              <a:rPr lang="en-US" dirty="0"/>
+              <a:t>South Carolina mostly consistent and all under a day. </a:t>
             </a:r>
           </a:p>
         </p:txBody>
@@ -4440,12 +4843,12 @@
     </p:spTree>
     <p:extLst>
       <p:ext uri="{BB962C8B-B14F-4D97-AF65-F5344CB8AC3E}">
-        <p14:creationId xmlns:p14="http://schemas.microsoft.com/office/powerpoint/2010/main" val="3699385275"/>
+        <p14:creationId xmlns:p14="http://schemas.microsoft.com/office/powerpoint/2010/main" val="3171922758"/>
       </p:ext>
     </p:extLst>
   </p:cSld>
   <p:clrMapOvr>
-    <a:masterClrMapping/>
+    <a:overrideClrMapping bg1="dk1" tx1="lt1" bg2="dk2" tx2="lt2" accent1="accent1" accent2="accent2" accent3="accent3" accent4="accent4" accent5="accent5" accent6="accent6" hlink="hlink" folHlink="folHlink"/>
   </p:clrMapOvr>
 </p:sld>
 </file>
@@ -4514,89 +4917,12 @@
           </a:prstGeom>
         </p:spPr>
       </p:pic>
-      <p:sp>
-        <p:nvSpPr>
-          <p:cNvPr id="2" name="Title 1">
-            <a:extLst>
-              <a:ext uri="{FF2B5EF4-FFF2-40B4-BE49-F238E27FC236}">
-                <a16:creationId xmlns:a16="http://schemas.microsoft.com/office/drawing/2014/main" id="{84312829-19B9-77B4-D6EB-99A913E9844C}"/>
-              </a:ext>
-            </a:extLst>
-          </p:cNvPr>
-          <p:cNvSpPr>
-            <a:spLocks noGrp="1"/>
-          </p:cNvSpPr>
-          <p:nvPr>
-            <p:ph type="ctrTitle"/>
-          </p:nvPr>
-        </p:nvSpPr>
-        <p:spPr>
-          <a:xfrm>
-            <a:off x="965200" y="0"/>
-            <a:ext cx="10261600" cy="1750734"/>
-          </a:xfrm>
-        </p:spPr>
-        <p:txBody>
-          <a:bodyPr>
-            <a:normAutofit/>
-          </a:bodyPr>
-          <a:lstStyle/>
-          <a:p>
-            <a:pPr algn="l"/>
-            <a:r>
-              <a:rPr lang="en-US" sz="4800" dirty="0">
-                <a:ln w="22225">
-                  <a:solidFill>
-                    <a:schemeClr val="tx1"/>
-                  </a:solidFill>
-                  <a:miter lim="800000"/>
-                </a:ln>
-                <a:noFill/>
-              </a:rPr>
-              <a:t>Has fire fighting gotten more efficient/ effective over time?</a:t>
-            </a:r>
-          </a:p>
-        </p:txBody>
-      </p:sp>
-      <p:sp>
-        <p:nvSpPr>
-          <p:cNvPr id="7" name="Subtitle 6">
-            <a:extLst>
-              <a:ext uri="{FF2B5EF4-FFF2-40B4-BE49-F238E27FC236}">
-                <a16:creationId xmlns:a16="http://schemas.microsoft.com/office/drawing/2014/main" id="{950392B1-BA60-6ADC-E9F2-6DBEEDDE41B6}"/>
-              </a:ext>
-            </a:extLst>
-          </p:cNvPr>
-          <p:cNvSpPr>
-            <a:spLocks noGrp="1"/>
-          </p:cNvSpPr>
-          <p:nvPr>
-            <p:ph type="subTitle" idx="1"/>
-          </p:nvPr>
-        </p:nvSpPr>
-        <p:spPr>
-          <a:xfrm>
-            <a:off x="1524000" y="1874067"/>
-            <a:ext cx="9144000" cy="760491"/>
-          </a:xfrm>
-        </p:spPr>
-        <p:txBody>
-          <a:bodyPr/>
-          <a:lstStyle/>
-          <a:p>
-            <a:r>
-              <a:rPr lang="en-US" dirty="0"/>
-              <a:t>Yes, it has. Even though there are outliers over time fighting forest fires has gotten more efficient over time.  </a:t>
-            </a:r>
-          </a:p>
-        </p:txBody>
-      </p:sp>
       <p:pic>
         <p:nvPicPr>
-          <p:cNvPr id="9" name="Picture 8" descr="A graph of a number of wildfires&#10;&#10;Description automatically generated">
-            <a:extLst>
-              <a:ext uri="{FF2B5EF4-FFF2-40B4-BE49-F238E27FC236}">
-                <a16:creationId xmlns:a16="http://schemas.microsoft.com/office/drawing/2014/main" id="{D66F80DF-3262-630C-E88E-26EDB20DBD49}"/>
+          <p:cNvPr id="11" name="Picture 10" descr="A graph of the average extinguishing by month&#10;&#10;Description automatically generated">
+            <a:extLst>
+              <a:ext uri="{FF2B5EF4-FFF2-40B4-BE49-F238E27FC236}">
+                <a16:creationId xmlns:a16="http://schemas.microsoft.com/office/drawing/2014/main" id="{EBFA74E3-8DA9-6C68-941B-C1650302268D}"/>
               </a:ext>
             </a:extLst>
           </p:cNvPr>
@@ -4619,18 +4945,53 @@
         </p:blipFill>
         <p:spPr>
           <a:xfrm>
-            <a:off x="590550" y="2634558"/>
-            <a:ext cx="10839450" cy="4223432"/>
+            <a:off x="0" y="1251798"/>
+            <a:ext cx="9397497" cy="5606192"/>
           </a:xfrm>
           <a:prstGeom prst="rect">
             <a:avLst/>
           </a:prstGeom>
         </p:spPr>
       </p:pic>
+      <p:sp>
+        <p:nvSpPr>
+          <p:cNvPr id="12" name="TextBox 11">
+            <a:extLst>
+              <a:ext uri="{FF2B5EF4-FFF2-40B4-BE49-F238E27FC236}">
+                <a16:creationId xmlns:a16="http://schemas.microsoft.com/office/drawing/2014/main" id="{13E21BFD-69E3-B182-FBF9-FB3F96ED8366}"/>
+              </a:ext>
+            </a:extLst>
+          </p:cNvPr>
+          <p:cNvSpPr txBox="1"/>
+          <p:nvPr/>
+        </p:nvSpPr>
+        <p:spPr>
+          <a:xfrm>
+            <a:off x="9551406" y="706170"/>
+            <a:ext cx="2199992" cy="923330"/>
+          </a:xfrm>
+          <a:prstGeom prst="rect">
+            <a:avLst/>
+          </a:prstGeom>
+          <a:noFill/>
+        </p:spPr>
+        <p:txBody>
+          <a:bodyPr wrap="square" rtlCol="0">
+            <a:spAutoFit/>
+          </a:bodyPr>
+          <a:lstStyle/>
+          <a:p>
+            <a:r>
+              <a:rPr lang="en-US" dirty="0"/>
+              <a:t>Another major outlier. The rest are 2.5 days or less</a:t>
+            </a:r>
+          </a:p>
+        </p:txBody>
+      </p:sp>
     </p:spTree>
     <p:extLst>
       <p:ext uri="{BB962C8B-B14F-4D97-AF65-F5344CB8AC3E}">
-        <p14:creationId xmlns:p14="http://schemas.microsoft.com/office/powerpoint/2010/main" val="3968842148"/>
+        <p14:creationId xmlns:p14="http://schemas.microsoft.com/office/powerpoint/2010/main" val="2575960092"/>
       </p:ext>
     </p:extLst>
   </p:cSld>
@@ -4696,7 +5057,7 @@
         </p:blipFill>
         <p:spPr>
           <a:xfrm>
-            <a:off x="0" y="0"/>
+            <a:off x="0" y="10"/>
             <a:ext cx="12192000" cy="6857990"/>
           </a:xfrm>
           <a:prstGeom prst="rect">
@@ -4704,12 +5065,37 @@
           </a:prstGeom>
         </p:spPr>
       </p:pic>
+      <p:sp>
+        <p:nvSpPr>
+          <p:cNvPr id="9" name="Subtitle 8">
+            <a:extLst>
+              <a:ext uri="{FF2B5EF4-FFF2-40B4-BE49-F238E27FC236}">
+                <a16:creationId xmlns:a16="http://schemas.microsoft.com/office/drawing/2014/main" id="{57E783AD-9D44-E5E2-AD13-F11BD0FA220A}"/>
+              </a:ext>
+            </a:extLst>
+          </p:cNvPr>
+          <p:cNvSpPr>
+            <a:spLocks noGrp="1"/>
+          </p:cNvSpPr>
+          <p:nvPr>
+            <p:ph type="subTitle" idx="1"/>
+          </p:nvPr>
+        </p:nvSpPr>
+        <p:spPr/>
+        <p:txBody>
+          <a:bodyPr/>
+          <a:lstStyle/>
+          <a:p>
+            <a:endParaRPr lang="en-US"/>
+          </a:p>
+        </p:txBody>
+      </p:sp>
       <p:pic>
         <p:nvPicPr>
-          <p:cNvPr id="8" name="Picture 7" descr="A graph with blue squares&#10;&#10;Description automatically generated">
-            <a:extLst>
-              <a:ext uri="{FF2B5EF4-FFF2-40B4-BE49-F238E27FC236}">
-                <a16:creationId xmlns:a16="http://schemas.microsoft.com/office/drawing/2014/main" id="{8FF797AD-7846-23DA-5FB8-F15FA314CAC5}"/>
+          <p:cNvPr id="11" name="Picture 10" descr="A graph of a number of months&#10;&#10;Description automatically generated">
+            <a:extLst>
+              <a:ext uri="{FF2B5EF4-FFF2-40B4-BE49-F238E27FC236}">
+                <a16:creationId xmlns:a16="http://schemas.microsoft.com/office/drawing/2014/main" id="{08A5B58F-0E72-BA0B-43C4-F376D2D45BBF}"/>
               </a:ext>
             </a:extLst>
           </p:cNvPr>
@@ -4732,66 +5118,30 @@
         </p:blipFill>
         <p:spPr>
           <a:xfrm>
-            <a:off x="0" y="0"/>
-            <a:ext cx="9043434" cy="3602360"/>
+            <a:off x="87228" y="1463019"/>
+            <a:ext cx="9043434" cy="5394971"/>
           </a:xfrm>
           <a:prstGeom prst="rect">
             <a:avLst/>
           </a:prstGeom>
         </p:spPr>
       </p:pic>
-      <p:pic>
-        <p:nvPicPr>
-          <p:cNvPr id="10" name="Picture 9" descr="A graph of blue bars&#10;&#10;Description automatically generated">
-            <a:extLst>
-              <a:ext uri="{FF2B5EF4-FFF2-40B4-BE49-F238E27FC236}">
-                <a16:creationId xmlns:a16="http://schemas.microsoft.com/office/drawing/2014/main" id="{978054E9-C8EA-1129-F239-4735D4F55147}"/>
-              </a:ext>
-            </a:extLst>
-          </p:cNvPr>
-          <p:cNvPicPr>
-            <a:picLocks noChangeAspect="1"/>
-          </p:cNvPicPr>
+      <p:sp>
+        <p:nvSpPr>
+          <p:cNvPr id="12" name="TextBox 11">
+            <a:extLst>
+              <a:ext uri="{FF2B5EF4-FFF2-40B4-BE49-F238E27FC236}">
+                <a16:creationId xmlns:a16="http://schemas.microsoft.com/office/drawing/2014/main" id="{FE644223-CB0D-5538-5AB5-EC343C4379FE}"/>
+              </a:ext>
+            </a:extLst>
+          </p:cNvPr>
+          <p:cNvSpPr txBox="1"/>
           <p:nvPr/>
-        </p:nvPicPr>
-        <p:blipFill>
-          <a:blip r:embed="rId5">
-            <a:extLst>
-              <a:ext uri="{28A0092B-C50C-407E-A947-70E740481C1C}">
-                <a14:useLocalDpi xmlns:a14="http://schemas.microsoft.com/office/drawing/2010/main" val="0"/>
-              </a:ext>
-            </a:extLst>
-          </a:blip>
-          <a:stretch>
-            <a:fillRect/>
-          </a:stretch>
-        </p:blipFill>
+        </p:nvSpPr>
         <p:spPr>
           <a:xfrm>
-            <a:off x="3148566" y="3602370"/>
-            <a:ext cx="9043434" cy="3255630"/>
-          </a:xfrm>
-          <a:prstGeom prst="rect">
-            <a:avLst/>
-          </a:prstGeom>
-        </p:spPr>
-      </p:pic>
-      <p:sp>
-        <p:nvSpPr>
-          <p:cNvPr id="11" name="TextBox 10">
-            <a:extLst>
-              <a:ext uri="{FF2B5EF4-FFF2-40B4-BE49-F238E27FC236}">
-                <a16:creationId xmlns:a16="http://schemas.microsoft.com/office/drawing/2014/main" id="{2A40D423-23E5-4FAE-F091-9C94FE8FD529}"/>
-              </a:ext>
-            </a:extLst>
-          </p:cNvPr>
-          <p:cNvSpPr txBox="1"/>
-          <p:nvPr/>
-        </p:nvSpPr>
-        <p:spPr>
-          <a:xfrm>
-            <a:off x="9439274" y="561974"/>
-            <a:ext cx="2314575" cy="646331"/>
+            <a:off x="9130661" y="434566"/>
+            <a:ext cx="2575469" cy="646331"/>
           </a:xfrm>
           <a:prstGeom prst="rect">
             <a:avLst/>
@@ -4806,42 +5156,7 @@
           <a:p>
             <a:r>
               <a:rPr lang="en-US" dirty="0"/>
-              <a:t>Major outlier for Oregon.</a:t>
-            </a:r>
-          </a:p>
-        </p:txBody>
-      </p:sp>
-      <p:sp>
-        <p:nvSpPr>
-          <p:cNvPr id="12" name="TextBox 11">
-            <a:extLst>
-              <a:ext uri="{FF2B5EF4-FFF2-40B4-BE49-F238E27FC236}">
-                <a16:creationId xmlns:a16="http://schemas.microsoft.com/office/drawing/2014/main" id="{41012C82-FFA6-3582-404A-60BC5F3A4442}"/>
-              </a:ext>
-            </a:extLst>
-          </p:cNvPr>
-          <p:cNvSpPr txBox="1"/>
-          <p:nvPr/>
-        </p:nvSpPr>
-        <p:spPr>
-          <a:xfrm>
-            <a:off x="438151" y="4105275"/>
-            <a:ext cx="2152649" cy="923330"/>
-          </a:xfrm>
-          <a:prstGeom prst="rect">
-            <a:avLst/>
-          </a:prstGeom>
-          <a:noFill/>
-        </p:spPr>
-        <p:txBody>
-          <a:bodyPr wrap="square" rtlCol="0">
-            <a:spAutoFit/>
-          </a:bodyPr>
-          <a:lstStyle/>
-          <a:p>
-            <a:r>
-              <a:rPr lang="en-US" dirty="0"/>
-              <a:t>South Carolina mostly consistent and all under a day. </a:t>
+              <a:t>Kansas has been able to keep them under a day.</a:t>
             </a:r>
           </a:p>
         </p:txBody>
@@ -4849,7 +5164,7 @@
     </p:spTree>
     <p:extLst>
       <p:ext uri="{BB962C8B-B14F-4D97-AF65-F5344CB8AC3E}">
-        <p14:creationId xmlns:p14="http://schemas.microsoft.com/office/powerpoint/2010/main" val="3171922758"/>
+        <p14:creationId xmlns:p14="http://schemas.microsoft.com/office/powerpoint/2010/main" val="3844974939"/>
       </p:ext>
     </p:extLst>
   </p:cSld>
@@ -4915,7 +5230,7 @@
         </p:blipFill>
         <p:spPr>
           <a:xfrm>
-            <a:off x="1" y="10"/>
+            <a:off x="0" y="10"/>
             <a:ext cx="12192000" cy="6857990"/>
           </a:xfrm>
           <a:prstGeom prst="rect">
@@ -4923,112 +5238,12 @@
           </a:prstGeom>
         </p:spPr>
       </p:pic>
-      <p:sp>
-        <p:nvSpPr>
-          <p:cNvPr id="2" name="Title 1">
-            <a:extLst>
-              <a:ext uri="{FF2B5EF4-FFF2-40B4-BE49-F238E27FC236}">
-                <a16:creationId xmlns:a16="http://schemas.microsoft.com/office/drawing/2014/main" id="{84312829-19B9-77B4-D6EB-99A913E9844C}"/>
-              </a:ext>
-            </a:extLst>
-          </p:cNvPr>
-          <p:cNvSpPr>
-            <a:spLocks noGrp="1"/>
-          </p:cNvSpPr>
-          <p:nvPr>
-            <p:ph type="ctrTitle"/>
-          </p:nvPr>
-        </p:nvSpPr>
-        <p:spPr>
-          <a:xfrm>
-            <a:off x="965200" y="99588"/>
-            <a:ext cx="10261600" cy="1500612"/>
-          </a:xfrm>
-        </p:spPr>
-        <p:txBody>
-          <a:bodyPr>
-            <a:normAutofit/>
-          </a:bodyPr>
-          <a:lstStyle/>
-          <a:p>
-            <a:pPr algn="l"/>
-            <a:r>
-              <a:rPr lang="en-US" sz="4800" dirty="0">
-                <a:ln w="22225">
-                  <a:solidFill>
-                    <a:schemeClr val="tx1"/>
-                  </a:solidFill>
-                  <a:miter lim="800000"/>
-                </a:ln>
-                <a:noFill/>
-              </a:rPr>
-              <a:t>Have fire sizes changed over time?</a:t>
-            </a:r>
-            <a:br>
-              <a:rPr lang="en-US" sz="4800" dirty="0">
-                <a:ln w="22225">
-                  <a:solidFill>
-                    <a:schemeClr val="tx1"/>
-                  </a:solidFill>
-                  <a:miter lim="800000"/>
-                </a:ln>
-                <a:noFill/>
-              </a:rPr>
-            </a:br>
-            <a:r>
-              <a:rPr lang="en-US" sz="4800" dirty="0">
-                <a:ln w="22225">
-                  <a:solidFill>
-                    <a:schemeClr val="tx1"/>
-                  </a:solidFill>
-                  <a:miter lim="800000"/>
-                </a:ln>
-                <a:noFill/>
-              </a:rPr>
-              <a:t> Is there a trend?</a:t>
-            </a:r>
-          </a:p>
-        </p:txBody>
-      </p:sp>
-      <p:sp>
-        <p:nvSpPr>
-          <p:cNvPr id="7" name="Subtitle 6">
-            <a:extLst>
-              <a:ext uri="{FF2B5EF4-FFF2-40B4-BE49-F238E27FC236}">
-                <a16:creationId xmlns:a16="http://schemas.microsoft.com/office/drawing/2014/main" id="{A00B6FB9-466F-0235-995E-38846C6D86AB}"/>
-              </a:ext>
-            </a:extLst>
-          </p:cNvPr>
-          <p:cNvSpPr>
-            <a:spLocks noGrp="1"/>
-          </p:cNvSpPr>
-          <p:nvPr>
-            <p:ph type="subTitle" idx="1"/>
-          </p:nvPr>
-        </p:nvSpPr>
-        <p:spPr>
-          <a:xfrm>
-            <a:off x="1524000" y="1533525"/>
-            <a:ext cx="9144000" cy="1245889"/>
-          </a:xfrm>
-        </p:spPr>
-        <p:txBody>
-          <a:bodyPr/>
-          <a:lstStyle/>
-          <a:p>
-            <a:r>
-              <a:rPr lang="en-US" dirty="0"/>
-              <a:t>Yes. For various reasons. Mostly due to dry spells or hurricanes.  The closest thing to a trend I found was that both fire season and some of the biggest fires occurred during the summer.</a:t>
-            </a:r>
-          </a:p>
-        </p:txBody>
-      </p:sp>
       <p:pic>
         <p:nvPicPr>
-          <p:cNvPr id="9" name="Picture 8" descr="A graph of a number of wildfires&#10;&#10;Description automatically generated">
-            <a:extLst>
-              <a:ext uri="{FF2B5EF4-FFF2-40B4-BE49-F238E27FC236}">
-                <a16:creationId xmlns:a16="http://schemas.microsoft.com/office/drawing/2014/main" id="{D324B9BC-3A1E-6D43-4D7E-FBB9C770988B}"/>
+          <p:cNvPr id="11" name="Picture 10" descr="A graph with blue bars&#10;&#10;Description automatically generated">
+            <a:extLst>
+              <a:ext uri="{FF2B5EF4-FFF2-40B4-BE49-F238E27FC236}">
+                <a16:creationId xmlns:a16="http://schemas.microsoft.com/office/drawing/2014/main" id="{FB982F49-F9AC-75A1-A7C0-CDC637B3E1E1}"/>
               </a:ext>
             </a:extLst>
           </p:cNvPr>
@@ -5051,18 +5266,53 @@
         </p:blipFill>
         <p:spPr>
           <a:xfrm>
-            <a:off x="1371600" y="2619375"/>
-            <a:ext cx="9458325" cy="4238615"/>
+            <a:off x="0" y="1463019"/>
+            <a:ext cx="9043434" cy="5394971"/>
           </a:xfrm>
           <a:prstGeom prst="rect">
             <a:avLst/>
           </a:prstGeom>
         </p:spPr>
       </p:pic>
+      <p:sp>
+        <p:nvSpPr>
+          <p:cNvPr id="12" name="TextBox 11">
+            <a:extLst>
+              <a:ext uri="{FF2B5EF4-FFF2-40B4-BE49-F238E27FC236}">
+                <a16:creationId xmlns:a16="http://schemas.microsoft.com/office/drawing/2014/main" id="{9E36DE16-23A2-4D08-6030-3CAE7A352626}"/>
+              </a:ext>
+            </a:extLst>
+          </p:cNvPr>
+          <p:cNvSpPr txBox="1"/>
+          <p:nvPr/>
+        </p:nvSpPr>
+        <p:spPr>
+          <a:xfrm>
+            <a:off x="9542352" y="588475"/>
+            <a:ext cx="2408222" cy="923330"/>
+          </a:xfrm>
+          <a:prstGeom prst="rect">
+            <a:avLst/>
+          </a:prstGeom>
+          <a:noFill/>
+        </p:spPr>
+        <p:txBody>
+          <a:bodyPr wrap="square" rtlCol="0">
+            <a:spAutoFit/>
+          </a:bodyPr>
+          <a:lstStyle/>
+          <a:p>
+            <a:r>
+              <a:rPr lang="en-US" dirty="0"/>
+              <a:t>The only fire in February, causes this outlier. </a:t>
+            </a:r>
+          </a:p>
+        </p:txBody>
+      </p:sp>
     </p:spTree>
     <p:extLst>
       <p:ext uri="{BB962C8B-B14F-4D97-AF65-F5344CB8AC3E}">
-        <p14:creationId xmlns:p14="http://schemas.microsoft.com/office/powerpoint/2010/main" val="371969005"/>
+        <p14:creationId xmlns:p14="http://schemas.microsoft.com/office/powerpoint/2010/main" val="2164144302"/>
       </p:ext>
     </p:extLst>
   </p:cSld>
@@ -5128,8 +5378,8 @@
         </p:blipFill>
         <p:spPr>
           <a:xfrm>
-            <a:off x="0" y="10"/>
-            <a:ext cx="12256654" cy="6857990"/>
+            <a:off x="-72429" y="10"/>
+            <a:ext cx="12192000" cy="6857990"/>
           </a:xfrm>
           <a:prstGeom prst="rect">
             <a:avLst/>
@@ -5138,10 +5388,10 @@
       </p:pic>
       <p:pic>
         <p:nvPicPr>
-          <p:cNvPr id="11" name="Picture 10" descr="A graph of a number of wildfires&#10;&#10;Description automatically generated">
-            <a:extLst>
-              <a:ext uri="{FF2B5EF4-FFF2-40B4-BE49-F238E27FC236}">
-                <a16:creationId xmlns:a16="http://schemas.microsoft.com/office/drawing/2014/main" id="{24E5A4CB-613C-3059-8725-86D802A6DBE3}"/>
+          <p:cNvPr id="11" name="Picture 10" descr="A graph with blue rectangles&#10;&#10;Description automatically generated">
+            <a:extLst>
+              <a:ext uri="{FF2B5EF4-FFF2-40B4-BE49-F238E27FC236}">
+                <a16:creationId xmlns:a16="http://schemas.microsoft.com/office/drawing/2014/main" id="{6E890458-8F83-7512-FF9C-02C267F1EBDA}"/>
               </a:ext>
             </a:extLst>
           </p:cNvPr>
@@ -5164,66 +5414,30 @@
         </p:blipFill>
         <p:spPr>
           <a:xfrm>
-            <a:off x="3360303" y="0"/>
-            <a:ext cx="8896351" cy="3428980"/>
+            <a:off x="-1" y="1041149"/>
+            <a:ext cx="9750603" cy="5816841"/>
           </a:xfrm>
           <a:prstGeom prst="rect">
             <a:avLst/>
           </a:prstGeom>
         </p:spPr>
       </p:pic>
-      <p:pic>
-        <p:nvPicPr>
-          <p:cNvPr id="13" name="Picture 12" descr="A graph of a fire size by month&#10;&#10;Description automatically generated">
-            <a:extLst>
-              <a:ext uri="{FF2B5EF4-FFF2-40B4-BE49-F238E27FC236}">
-                <a16:creationId xmlns:a16="http://schemas.microsoft.com/office/drawing/2014/main" id="{93EEAFC8-2BEE-26D3-A17F-FE3BC526BB1E}"/>
-              </a:ext>
-            </a:extLst>
-          </p:cNvPr>
-          <p:cNvPicPr>
-            <a:picLocks noChangeAspect="1"/>
-          </p:cNvPicPr>
+      <p:sp>
+        <p:nvSpPr>
+          <p:cNvPr id="14" name="TextBox 13">
+            <a:extLst>
+              <a:ext uri="{FF2B5EF4-FFF2-40B4-BE49-F238E27FC236}">
+                <a16:creationId xmlns:a16="http://schemas.microsoft.com/office/drawing/2014/main" id="{87B6F2DD-2090-06E0-1CE0-2D814CF53EC9}"/>
+              </a:ext>
+            </a:extLst>
+          </p:cNvPr>
+          <p:cNvSpPr txBox="1"/>
           <p:nvPr/>
-        </p:nvPicPr>
-        <p:blipFill>
-          <a:blip r:embed="rId5">
-            <a:extLst>
-              <a:ext uri="{28A0092B-C50C-407E-A947-70E740481C1C}">
-                <a14:useLocalDpi xmlns:a14="http://schemas.microsoft.com/office/drawing/2010/main" val="0"/>
-              </a:ext>
-            </a:extLst>
-          </a:blip>
-          <a:stretch>
-            <a:fillRect/>
-          </a:stretch>
-        </p:blipFill>
+        </p:nvSpPr>
         <p:spPr>
           <a:xfrm>
-            <a:off x="3360303" y="3428980"/>
-            <a:ext cx="8896351" cy="3429000"/>
-          </a:xfrm>
-          <a:prstGeom prst="rect">
-            <a:avLst/>
-          </a:prstGeom>
-        </p:spPr>
-      </p:pic>
-      <p:sp>
-        <p:nvSpPr>
-          <p:cNvPr id="14" name="TextBox 13">
-            <a:extLst>
-              <a:ext uri="{FF2B5EF4-FFF2-40B4-BE49-F238E27FC236}">
-                <a16:creationId xmlns:a16="http://schemas.microsoft.com/office/drawing/2014/main" id="{69416B85-CE85-9809-28BE-EC6179E708AE}"/>
-              </a:ext>
-            </a:extLst>
-          </p:cNvPr>
-          <p:cNvSpPr txBox="1"/>
-          <p:nvPr/>
-        </p:nvSpPr>
-        <p:spPr>
-          <a:xfrm>
-            <a:off x="407406" y="443620"/>
-            <a:ext cx="2888055" cy="923330"/>
+            <a:off x="9768689" y="679010"/>
+            <a:ext cx="1991762" cy="923330"/>
           </a:xfrm>
           <a:prstGeom prst="rect">
             <a:avLst/>
@@ -5238,77 +5452,7 @@
           <a:p>
             <a:r>
               <a:rPr lang="en-US" dirty="0"/>
-              <a:t>July adds up to almost 250,000 acres in South Dakota.</a:t>
-            </a:r>
-          </a:p>
-        </p:txBody>
-      </p:sp>
-      <p:sp>
-        <p:nvSpPr>
-          <p:cNvPr id="15" name="TextBox 14">
-            <a:extLst>
-              <a:ext uri="{FF2B5EF4-FFF2-40B4-BE49-F238E27FC236}">
-                <a16:creationId xmlns:a16="http://schemas.microsoft.com/office/drawing/2014/main" id="{662C6A81-454F-83B0-9CCF-9D7E0A3EE39D}"/>
-              </a:ext>
-            </a:extLst>
-          </p:cNvPr>
-          <p:cNvSpPr txBox="1"/>
-          <p:nvPr/>
-        </p:nvSpPr>
-        <p:spPr>
-          <a:xfrm>
-            <a:off x="393556" y="2841327"/>
-            <a:ext cx="2660072" cy="923330"/>
-          </a:xfrm>
-          <a:prstGeom prst="rect">
-            <a:avLst/>
-          </a:prstGeom>
-          <a:noFill/>
-        </p:spPr>
-        <p:txBody>
-          <a:bodyPr wrap="square" rtlCol="0">
-            <a:spAutoFit/>
-          </a:bodyPr>
-          <a:lstStyle/>
-          <a:p>
-            <a:r>
-              <a:rPr lang="en-US" dirty="0"/>
-              <a:t>July in Oregon adds up to approximately 3,500,000 acres.</a:t>
-            </a:r>
-          </a:p>
-        </p:txBody>
-      </p:sp>
-      <p:sp>
-        <p:nvSpPr>
-          <p:cNvPr id="16" name="TextBox 15">
-            <a:extLst>
-              <a:ext uri="{FF2B5EF4-FFF2-40B4-BE49-F238E27FC236}">
-                <a16:creationId xmlns:a16="http://schemas.microsoft.com/office/drawing/2014/main" id="{05EE99CD-DB23-A963-91EE-9BC1D1223BC3}"/>
-              </a:ext>
-            </a:extLst>
-          </p:cNvPr>
-          <p:cNvSpPr txBox="1"/>
-          <p:nvPr/>
-        </p:nvSpPr>
-        <p:spPr>
-          <a:xfrm>
-            <a:off x="393556" y="4660054"/>
-            <a:ext cx="2198255" cy="1754326"/>
-          </a:xfrm>
-          <a:prstGeom prst="rect">
-            <a:avLst/>
-          </a:prstGeom>
-          <a:noFill/>
-        </p:spPr>
-        <p:txBody>
-          <a:bodyPr wrap="square" rtlCol="0">
-            <a:spAutoFit/>
-          </a:bodyPr>
-          <a:lstStyle/>
-          <a:p>
-            <a:r>
-              <a:rPr lang="en-US" dirty="0"/>
-              <a:t>That is approximately 3,250,000 acres which comes out to almost 5,100 square miles which is larger than Connecticut. </a:t>
+              <a:t>An outlier due to how few fires there are.</a:t>
             </a:r>
           </a:p>
         </p:txBody>
@@ -5316,7 +5460,7 @@
     </p:spTree>
     <p:extLst>
       <p:ext uri="{BB962C8B-B14F-4D97-AF65-F5344CB8AC3E}">
-        <p14:creationId xmlns:p14="http://schemas.microsoft.com/office/powerpoint/2010/main" val="1924456094"/>
+        <p14:creationId xmlns:p14="http://schemas.microsoft.com/office/powerpoint/2010/main" val="2751597822"/>
       </p:ext>
     </p:extLst>
   </p:cSld>
@@ -5382,239 +5526,20 @@
         </p:blipFill>
         <p:spPr>
           <a:xfrm>
-            <a:off x="1" y="27719"/>
-            <a:ext cx="12142739" cy="6830281"/>
+            <a:off x="0" y="10"/>
+            <a:ext cx="12192000" cy="6857990"/>
           </a:xfrm>
           <a:prstGeom prst="rect">
             <a:avLst/>
           </a:prstGeom>
         </p:spPr>
       </p:pic>
-      <p:sp>
-        <p:nvSpPr>
-          <p:cNvPr id="2" name="Title 1">
-            <a:extLst>
-              <a:ext uri="{FF2B5EF4-FFF2-40B4-BE49-F238E27FC236}">
-                <a16:creationId xmlns:a16="http://schemas.microsoft.com/office/drawing/2014/main" id="{84312829-19B9-77B4-D6EB-99A913E9844C}"/>
-              </a:ext>
-            </a:extLst>
-          </p:cNvPr>
-          <p:cNvSpPr>
-            <a:spLocks noGrp="1"/>
-          </p:cNvSpPr>
-          <p:nvPr>
-            <p:ph type="ctrTitle"/>
-          </p:nvPr>
-        </p:nvSpPr>
-        <p:spPr>
-          <a:xfrm>
-            <a:off x="277092" y="162962"/>
-            <a:ext cx="8866907" cy="1158844"/>
-          </a:xfrm>
-        </p:spPr>
-        <p:txBody>
-          <a:bodyPr>
-            <a:normAutofit fontScale="90000"/>
-          </a:bodyPr>
-          <a:lstStyle/>
-          <a:p>
-            <a:pPr algn="l"/>
-            <a:r>
-              <a:rPr lang="en-US" sz="4800" dirty="0">
-                <a:ln w="22225">
-                  <a:solidFill>
-                    <a:schemeClr val="tx1"/>
-                  </a:solidFill>
-                  <a:miter lim="800000"/>
-                </a:ln>
-                <a:noFill/>
-              </a:rPr>
-              <a:t>What state’s have the</a:t>
-            </a:r>
-            <a:br>
-              <a:rPr lang="en-US" sz="4800" dirty="0">
-                <a:ln w="22225">
-                  <a:solidFill>
-                    <a:schemeClr val="tx1"/>
-                  </a:solidFill>
-                  <a:miter lim="800000"/>
-                </a:ln>
-                <a:noFill/>
-              </a:rPr>
-            </a:br>
-            <a:r>
-              <a:rPr lang="en-US" sz="4800" dirty="0">
-                <a:ln w="22225">
-                  <a:solidFill>
-                    <a:schemeClr val="tx1"/>
-                  </a:solidFill>
-                  <a:miter lim="800000"/>
-                </a:ln>
-                <a:noFill/>
-              </a:rPr>
-              <a:t> Most fires? </a:t>
-            </a:r>
-          </a:p>
-        </p:txBody>
-      </p:sp>
-      <p:sp>
-        <p:nvSpPr>
-          <p:cNvPr id="7" name="Subtitle 6">
-            <a:extLst>
-              <a:ext uri="{FF2B5EF4-FFF2-40B4-BE49-F238E27FC236}">
-                <a16:creationId xmlns:a16="http://schemas.microsoft.com/office/drawing/2014/main" id="{9B7BF120-B821-D5E2-7321-9BFC6A2B021B}"/>
-              </a:ext>
-            </a:extLst>
-          </p:cNvPr>
-          <p:cNvSpPr>
-            <a:spLocks noGrp="1"/>
-          </p:cNvSpPr>
-          <p:nvPr>
-            <p:ph type="subTitle" idx="1"/>
-          </p:nvPr>
-        </p:nvSpPr>
-        <p:spPr>
-          <a:xfrm>
-            <a:off x="9273309" y="0"/>
-            <a:ext cx="2918690" cy="6830281"/>
-          </a:xfrm>
-        </p:spPr>
-        <p:txBody>
-          <a:bodyPr>
-            <a:normAutofit/>
-          </a:bodyPr>
-          <a:lstStyle/>
-          <a:p>
-            <a:r>
-              <a:rPr lang="en-US" sz="1800" dirty="0"/>
-              <a:t>My states with the </a:t>
-            </a:r>
-          </a:p>
-          <a:p>
-            <a:r>
-              <a:rPr lang="en-US" sz="1800" dirty="0"/>
-              <a:t>most fires in order</a:t>
-            </a:r>
-          </a:p>
-          <a:p>
-            <a:pPr marL="457200" indent="-457200">
-              <a:buAutoNum type="arabicPeriod"/>
-            </a:pPr>
-            <a:r>
-              <a:rPr lang="en-US" sz="1800" dirty="0"/>
-              <a:t>Oregon over 31,556 </a:t>
-            </a:r>
-          </a:p>
-          <a:p>
-            <a:pPr marL="457200" indent="-457200">
-              <a:buAutoNum type="arabicPeriod"/>
-            </a:pPr>
-            <a:endParaRPr lang="en-US" sz="1800" dirty="0"/>
-          </a:p>
-          <a:p>
-            <a:pPr marL="457200" indent="-457200">
-              <a:buAutoNum type="arabicPeriod"/>
-            </a:pPr>
-            <a:r>
-              <a:rPr lang="en-US" sz="1800" dirty="0"/>
-              <a:t>Montana with 17,635</a:t>
-            </a:r>
-          </a:p>
-          <a:p>
-            <a:pPr marL="457200" indent="-457200">
-              <a:buAutoNum type="arabicPeriod"/>
-            </a:pPr>
-            <a:endParaRPr lang="en-US" sz="1800" dirty="0"/>
-          </a:p>
-          <a:p>
-            <a:pPr marL="457200" indent="-457200">
-              <a:buAutoNum type="arabicPeriod"/>
-            </a:pPr>
-            <a:r>
-              <a:rPr lang="en-US" sz="1800" dirty="0"/>
-              <a:t>South Dakota with 5,294</a:t>
-            </a:r>
-          </a:p>
-          <a:p>
-            <a:pPr marL="457200" indent="-457200">
-              <a:buAutoNum type="arabicPeriod"/>
-            </a:pPr>
-            <a:endParaRPr lang="en-US" sz="1800" dirty="0"/>
-          </a:p>
-          <a:p>
-            <a:pPr marL="457200" indent="-457200">
-              <a:buAutoNum type="arabicPeriod"/>
-            </a:pPr>
-            <a:r>
-              <a:rPr lang="en-US" sz="1800" dirty="0"/>
-              <a:t>South Carolina with 1,996 </a:t>
-            </a:r>
-          </a:p>
-          <a:p>
-            <a:pPr marL="457200" indent="-457200">
-              <a:buAutoNum type="arabicPeriod"/>
-            </a:pPr>
-            <a:r>
-              <a:rPr lang="en-US" sz="1800" dirty="0"/>
-              <a:t>Nebraska with 1,030</a:t>
-            </a:r>
-          </a:p>
-          <a:p>
-            <a:pPr marL="457200" indent="-457200">
-              <a:buAutoNum type="arabicPeriod"/>
-            </a:pPr>
-            <a:endParaRPr lang="en-US" sz="1800" dirty="0"/>
-          </a:p>
-          <a:p>
-            <a:pPr marL="457200" indent="-457200">
-              <a:buAutoNum type="arabicPeriod"/>
-            </a:pPr>
-            <a:r>
-              <a:rPr lang="en-US" sz="1800" dirty="0"/>
-              <a:t>Tennessee with 445</a:t>
-            </a:r>
-          </a:p>
-          <a:p>
-            <a:pPr marL="457200" indent="-457200">
-              <a:buAutoNum type="arabicPeriod"/>
-            </a:pPr>
-            <a:endParaRPr lang="en-US" sz="1800" dirty="0"/>
-          </a:p>
-          <a:p>
-            <a:pPr marL="457200" indent="-457200">
-              <a:buAutoNum type="arabicPeriod"/>
-            </a:pPr>
-            <a:r>
-              <a:rPr lang="en-US" sz="1800" dirty="0"/>
-              <a:t>Kansas with 203</a:t>
-            </a:r>
-          </a:p>
-          <a:p>
-            <a:pPr marL="457200" indent="-457200">
-              <a:buAutoNum type="arabicPeriod"/>
-            </a:pPr>
-            <a:endParaRPr lang="en-US" sz="1800" dirty="0"/>
-          </a:p>
-          <a:p>
-            <a:pPr marL="457200" indent="-457200">
-              <a:buAutoNum type="arabicPeriod"/>
-            </a:pPr>
-            <a:r>
-              <a:rPr lang="en-US" sz="1800" dirty="0"/>
-              <a:t>Illinois with 33</a:t>
-            </a:r>
-          </a:p>
-          <a:p>
-            <a:endParaRPr lang="en-US" dirty="0"/>
-          </a:p>
-        </p:txBody>
-      </p:sp>
       <p:pic>
         <p:nvPicPr>
-          <p:cNvPr id="4" name="Picture 3" descr="A graph with numbers and lines&#10;&#10;Description automatically generated">
-            <a:extLst>
-              <a:ext uri="{FF2B5EF4-FFF2-40B4-BE49-F238E27FC236}">
-                <a16:creationId xmlns:a16="http://schemas.microsoft.com/office/drawing/2014/main" id="{FE279360-73B4-5CC8-75F7-A53D11F89F29}"/>
+          <p:cNvPr id="7" name="Picture 6" descr="A graph of red bars&#10;&#10;Description automatically generated">
+            <a:extLst>
+              <a:ext uri="{FF2B5EF4-FFF2-40B4-BE49-F238E27FC236}">
+                <a16:creationId xmlns:a16="http://schemas.microsoft.com/office/drawing/2014/main" id="{277A3233-3EFE-FE97-0535-C21FD29DC4C8}"/>
               </a:ext>
             </a:extLst>
           </p:cNvPr>
@@ -5637,281 +5562,53 @@
         </p:blipFill>
         <p:spPr>
           <a:xfrm>
-            <a:off x="1" y="1995055"/>
-            <a:ext cx="9273308" cy="4862945"/>
+            <a:off x="-1" y="1068309"/>
+            <a:ext cx="9705075" cy="5789681"/>
           </a:xfrm>
           <a:prstGeom prst="rect">
             <a:avLst/>
           </a:prstGeom>
         </p:spPr>
       </p:pic>
-    </p:spTree>
-    <p:extLst>
-      <p:ext uri="{BB962C8B-B14F-4D97-AF65-F5344CB8AC3E}">
-        <p14:creationId xmlns:p14="http://schemas.microsoft.com/office/powerpoint/2010/main" val="2031029403"/>
-      </p:ext>
-    </p:extLst>
-  </p:cSld>
-  <p:clrMapOvr>
-    <a:overrideClrMapping bg1="dk1" tx1="lt1" bg2="dk2" tx2="lt2" accent1="accent1" accent2="accent2" accent3="accent3" accent4="accent4" accent5="accent5" accent6="accent6" hlink="hlink" folHlink="folHlink"/>
-  </p:clrMapOvr>
-</p:sld>
-</file>
-
-<file path=ppt/slides/slide9.xml><?xml version="1.0" encoding="utf-8"?>
-<p:sld xmlns:a="http://schemas.openxmlformats.org/drawingml/2006/main" xmlns:r="http://schemas.openxmlformats.org/officeDocument/2006/relationships" xmlns:p="http://schemas.openxmlformats.org/presentationml/2006/main">
-  <p:cSld>
-    <p:bg>
-      <p:bgPr>
-        <a:solidFill>
-          <a:schemeClr val="bg1"/>
-        </a:solidFill>
-        <a:effectLst/>
-      </p:bgPr>
-    </p:bg>
-    <p:spTree>
-      <p:nvGrpSpPr>
-        <p:cNvPr id="1" name=""/>
-        <p:cNvGrpSpPr/>
-        <p:nvPr/>
-      </p:nvGrpSpPr>
-      <p:grpSpPr>
-        <a:xfrm>
-          <a:off x="0" y="0"/>
-          <a:ext cx="0" cy="0"/>
-          <a:chOff x="0" y="0"/>
-          <a:chExt cx="0" cy="0"/>
-        </a:xfrm>
-      </p:grpSpPr>
-      <p:pic>
-        <p:nvPicPr>
-          <p:cNvPr id="5" name="Picture 4" descr="A fire in the woods">
-            <a:extLst>
-              <a:ext uri="{FF2B5EF4-FFF2-40B4-BE49-F238E27FC236}">
-                <a16:creationId xmlns:a16="http://schemas.microsoft.com/office/drawing/2014/main" id="{4C20F623-B2FC-9F44-24AB-3ED356CB3464}"/>
-              </a:ext>
-            </a:extLst>
-          </p:cNvPr>
-          <p:cNvPicPr>
-            <a:picLocks noChangeAspect="1"/>
-          </p:cNvPicPr>
+      <p:sp>
+        <p:nvSpPr>
+          <p:cNvPr id="12" name="TextBox 11">
+            <a:extLst>
+              <a:ext uri="{FF2B5EF4-FFF2-40B4-BE49-F238E27FC236}">
+                <a16:creationId xmlns:a16="http://schemas.microsoft.com/office/drawing/2014/main" id="{8D4EE316-11CB-60B4-1F34-82B6E4734650}"/>
+              </a:ext>
+            </a:extLst>
+          </p:cNvPr>
+          <p:cNvSpPr txBox="1"/>
           <p:nvPr/>
-        </p:nvPicPr>
-        <p:blipFill rotWithShape="1">
-          <a:blip r:embed="rId2">
-            <a:alphaModFix amt="40000"/>
-            <a:extLst>
-              <a:ext uri="{28A0092B-C50C-407E-A947-70E740481C1C}">
-                <a14:useLocalDpi xmlns:a14="http://schemas.microsoft.com/office/drawing/2010/main" val="0"/>
-              </a:ext>
-              <a:ext uri="{837473B0-CC2E-450A-ABE3-18F120FF3D39}">
-                <a1611:picAttrSrcUrl xmlns:a1611="http://schemas.microsoft.com/office/drawing/2016/11/main" r:id="rId3"/>
-              </a:ext>
-            </a:extLst>
-          </a:blip>
-          <a:srcRect l="641" r="7358" b="-1"/>
-          <a:stretch/>
-        </p:blipFill>
+        </p:nvSpPr>
         <p:spPr>
-          <a:xfrm>
-            <a:off x="0" y="0"/>
-            <a:ext cx="12192018" cy="6858000"/>
+          <a:xfrm rot="10800000" flipH="1" flipV="1">
+            <a:off x="9627495" y="698915"/>
+            <a:ext cx="2359293" cy="923330"/>
           </a:xfrm>
           <a:prstGeom prst="rect">
             <a:avLst/>
           </a:prstGeom>
+          <a:noFill/>
         </p:spPr>
-      </p:pic>
-      <p:sp>
-        <p:nvSpPr>
-          <p:cNvPr id="2" name="Title 1">
-            <a:extLst>
-              <a:ext uri="{FF2B5EF4-FFF2-40B4-BE49-F238E27FC236}">
-                <a16:creationId xmlns:a16="http://schemas.microsoft.com/office/drawing/2014/main" id="{84312829-19B9-77B4-D6EB-99A913E9844C}"/>
-              </a:ext>
-            </a:extLst>
-          </p:cNvPr>
-          <p:cNvSpPr>
-            <a:spLocks noGrp="1"/>
-          </p:cNvSpPr>
-          <p:nvPr>
-            <p:ph type="ctrTitle"/>
-          </p:nvPr>
-        </p:nvSpPr>
-        <p:spPr>
-          <a:xfrm>
-            <a:off x="965200" y="162962"/>
-            <a:ext cx="10261600" cy="1158844"/>
-          </a:xfrm>
-        </p:spPr>
-        <p:txBody>
-          <a:bodyPr>
-            <a:normAutofit fontScale="90000"/>
+        <p:txBody>
+          <a:bodyPr wrap="square" rtlCol="0">
+            <a:spAutoFit/>
           </a:bodyPr>
           <a:lstStyle/>
           <a:p>
-            <a:pPr algn="l"/>
-            <a:r>
-              <a:rPr lang="en-US" sz="4800" dirty="0">
-                <a:ln w="22225">
-                  <a:solidFill>
-                    <a:schemeClr val="tx1"/>
-                  </a:solidFill>
-                  <a:miter lim="800000"/>
-                </a:ln>
-                <a:noFill/>
-              </a:rPr>
-              <a:t>What state’s have the </a:t>
-            </a:r>
-            <a:br>
-              <a:rPr lang="en-US" sz="4800" dirty="0">
-                <a:ln w="22225">
-                  <a:solidFill>
-                    <a:schemeClr val="tx1"/>
-                  </a:solidFill>
-                  <a:miter lim="800000"/>
-                </a:ln>
-                <a:noFill/>
-              </a:rPr>
-            </a:br>
-            <a:r>
-              <a:rPr lang="en-US" sz="4800" dirty="0">
-                <a:ln w="22225">
-                  <a:solidFill>
-                    <a:schemeClr val="tx1"/>
-                  </a:solidFill>
-                  <a:miter lim="800000"/>
-                </a:ln>
-                <a:noFill/>
-              </a:rPr>
-              <a:t> Biggest fires? </a:t>
-            </a:r>
-          </a:p>
-        </p:txBody>
-      </p:sp>
-      <p:sp>
-        <p:nvSpPr>
-          <p:cNvPr id="7" name="Subtitle 6">
-            <a:extLst>
-              <a:ext uri="{FF2B5EF4-FFF2-40B4-BE49-F238E27FC236}">
-                <a16:creationId xmlns:a16="http://schemas.microsoft.com/office/drawing/2014/main" id="{9B7BF120-B821-D5E2-7321-9BFC6A2B021B}"/>
-              </a:ext>
-            </a:extLst>
-          </p:cNvPr>
-          <p:cNvSpPr>
-            <a:spLocks noGrp="1"/>
-          </p:cNvSpPr>
-          <p:nvPr>
-            <p:ph type="subTitle" idx="1"/>
-          </p:nvPr>
-        </p:nvSpPr>
-        <p:spPr>
-          <a:xfrm>
-            <a:off x="9446392" y="0"/>
-            <a:ext cx="2745608" cy="6857990"/>
-          </a:xfrm>
-        </p:spPr>
-        <p:txBody>
-          <a:bodyPr>
-            <a:normAutofit fontScale="92500"/>
-          </a:bodyPr>
-          <a:lstStyle/>
-          <a:p>
             <a:r>
               <a:rPr lang="en-US" dirty="0"/>
-              <a:t>My states with the biggest fires in order.</a:t>
-            </a:r>
-          </a:p>
-          <a:p>
-            <a:r>
-              <a:rPr lang="en-US" dirty="0"/>
-              <a:t>1. Oregon with a 558,198.3-acre fire. </a:t>
-            </a:r>
-          </a:p>
-          <a:p>
-            <a:r>
-              <a:rPr lang="en-US" dirty="0"/>
-              <a:t>2. Montana with a 249,562-acre fire.</a:t>
-            </a:r>
-          </a:p>
-          <a:p>
-            <a:r>
-              <a:rPr lang="en-US" dirty="0"/>
-              <a:t>3. Nebraska with a 66,745-acre fire.</a:t>
-            </a:r>
-          </a:p>
-          <a:p>
-            <a:r>
-              <a:rPr lang="en-US" dirty="0"/>
-              <a:t>4. South Dakota with a 43,639-acre fire.</a:t>
-            </a:r>
-          </a:p>
-          <a:p>
-            <a:r>
-              <a:rPr lang="en-US" dirty="0"/>
-              <a:t>5. Kansas with a     4,190-acre fire.</a:t>
-            </a:r>
-          </a:p>
-          <a:p>
-            <a:r>
-              <a:rPr lang="en-US" dirty="0"/>
-              <a:t>6. Tennessee with a 2,115-acre fire.</a:t>
-            </a:r>
-          </a:p>
-          <a:p>
-            <a:r>
-              <a:rPr lang="en-US" dirty="0"/>
-              <a:t>7. Illinois with a     600-acre fire.</a:t>
-            </a:r>
-          </a:p>
-          <a:p>
-            <a:r>
-              <a:rPr lang="en-US" dirty="0"/>
-              <a:t>8. South Carolina with a 480-acre fire.</a:t>
-            </a:r>
-          </a:p>
-        </p:txBody>
-      </p:sp>
-      <p:pic>
-        <p:nvPicPr>
-          <p:cNvPr id="4" name="Picture 3" descr="A graph with red lines&#10;&#10;Description automatically generated">
-            <a:extLst>
-              <a:ext uri="{FF2B5EF4-FFF2-40B4-BE49-F238E27FC236}">
-                <a16:creationId xmlns:a16="http://schemas.microsoft.com/office/drawing/2014/main" id="{5E8D5EBA-9A61-0576-ED3A-D87EE6D75EA8}"/>
-              </a:ext>
-            </a:extLst>
-          </p:cNvPr>
-          <p:cNvPicPr>
-            <a:picLocks noChangeAspect="1"/>
-          </p:cNvPicPr>
-          <p:nvPr/>
-        </p:nvPicPr>
-        <p:blipFill>
-          <a:blip r:embed="rId4">
-            <a:extLst>
-              <a:ext uri="{28A0092B-C50C-407E-A947-70E740481C1C}">
-                <a14:useLocalDpi xmlns:a14="http://schemas.microsoft.com/office/drawing/2010/main" val="0"/>
-              </a:ext>
-            </a:extLst>
-          </a:blip>
-          <a:stretch>
-            <a:fillRect/>
-          </a:stretch>
-        </p:blipFill>
-        <p:spPr>
-          <a:xfrm>
-            <a:off x="0" y="2170555"/>
-            <a:ext cx="9446393" cy="4687445"/>
-          </a:xfrm>
-          <a:prstGeom prst="rect">
-            <a:avLst/>
-          </a:prstGeom>
-        </p:spPr>
-      </p:pic>
+              <a:t>Fairly consistent. August is over 2 days. June just under.</a:t>
+            </a:r>
+          </a:p>
+        </p:txBody>
+      </p:sp>
     </p:spTree>
     <p:extLst>
       <p:ext uri="{BB962C8B-B14F-4D97-AF65-F5344CB8AC3E}">
-        <p14:creationId xmlns:p14="http://schemas.microsoft.com/office/powerpoint/2010/main" val="3977214261"/>
+        <p14:creationId xmlns:p14="http://schemas.microsoft.com/office/powerpoint/2010/main" val="370027098"/>
       </p:ext>
     </p:extLst>
   </p:cSld>
